--- a/Documents/מצגת אפיון.pptx
+++ b/Documents/מצגת אפיון.pptx
@@ -21,10 +21,6 @@
     <p:sldId id="268" r:id="rId16"/>
     <p:sldId id="269" r:id="rId17"/>
     <p:sldId id="270" r:id="rId18"/>
-    <p:sldId id="271" r:id="rId19"/>
-    <p:sldId id="272" r:id="rId20"/>
-    <p:sldId id="273" r:id="rId21"/>
-    <p:sldId id="274" r:id="rId22"/>
   </p:sldIdLst>
   <p:sldSz cx="9144000" cy="5143500"/>
   <p:notesSz cx="7559675" cy="10691813"/>
@@ -62,7 +58,7 @@
         <p:txBody>
           <a:bodyPr/>
           <a:p>
-            <a:fld id="{3FDF6889-00AD-4E7B-B6E4-A32728CE622F}" type="slidenum">
+            <a:fld id="{0DF06654-EC94-4793-9C04-1F0779176C24}" type="slidenum">
               <a:t>&lt;#&gt;</a:t>
             </a:fld>
           </a:p>
@@ -102,8 +98,8 @@
         </p:nvSpPr>
         <p:spPr>
           <a:xfrm>
-            <a:off x="311760" y="744480"/>
-            <a:ext cx="8519760" cy="2052000"/>
+            <a:off x="457200" y="205200"/>
+            <a:ext cx="8229240" cy="858600"/>
           </a:xfrm>
           <a:prstGeom prst="rect">
             <a:avLst/>
@@ -230,7 +226,7 @@
         <p:txBody>
           <a:bodyPr/>
           <a:p>
-            <a:fld id="{253D0C22-0FE5-4F18-AF21-A7030434508A}" type="slidenum">
+            <a:fld id="{D2C8C69F-FE5C-46F0-B4E8-73556AB95BED}" type="slidenum">
               <a:t>&lt;#&gt;</a:t>
             </a:fld>
           </a:p>
@@ -270,8 +266,8 @@
         </p:nvSpPr>
         <p:spPr>
           <a:xfrm>
-            <a:off x="311760" y="744480"/>
-            <a:ext cx="8519760" cy="2052000"/>
+            <a:off x="457200" y="205200"/>
+            <a:ext cx="8229240" cy="858600"/>
           </a:xfrm>
           <a:prstGeom prst="rect">
             <a:avLst/>
@@ -484,7 +480,7 @@
         <p:txBody>
           <a:bodyPr/>
           <a:p>
-            <a:fld id="{9DCFD3DC-45A6-4349-8C44-981DB01C6CCC}" type="slidenum">
+            <a:fld id="{112E178C-A50E-4EB4-85B1-78F59A926794}" type="slidenum">
               <a:t>&lt;#&gt;</a:t>
             </a:fld>
           </a:p>
@@ -524,8 +520,8 @@
         </p:nvSpPr>
         <p:spPr>
           <a:xfrm>
-            <a:off x="311760" y="744480"/>
-            <a:ext cx="8519760" cy="2052000"/>
+            <a:off x="457200" y="205200"/>
+            <a:ext cx="8229240" cy="858600"/>
           </a:xfrm>
           <a:prstGeom prst="rect">
             <a:avLst/>
@@ -824,7 +820,7 @@
         <p:txBody>
           <a:bodyPr/>
           <a:p>
-            <a:fld id="{02CC6E2E-3BD1-4A36-8B5C-55009736462F}" type="slidenum">
+            <a:fld id="{1A059D8B-EFC0-45B5-9443-BAB596DAB5D3}" type="slidenum">
               <a:t>&lt;#&gt;</a:t>
             </a:fld>
           </a:p>
@@ -866,7 +862,7 @@
         <p:txBody>
           <a:bodyPr/>
           <a:p>
-            <a:fld id="{F7587341-E884-4035-BB1A-6581A9C0D07A}" type="slidenum">
+            <a:fld id="{8A30B9A6-463B-43E0-BC70-CB243F639C44}" type="slidenum">
               <a:t>&lt;#&gt;</a:t>
             </a:fld>
           </a:p>
@@ -906,8 +902,8 @@
         </p:nvSpPr>
         <p:spPr>
           <a:xfrm>
-            <a:off x="311760" y="744480"/>
-            <a:ext cx="8519760" cy="2052000"/>
+            <a:off x="457200" y="205200"/>
+            <a:ext cx="8229240" cy="858600"/>
           </a:xfrm>
           <a:prstGeom prst="rect">
             <a:avLst/>
@@ -988,7 +984,7 @@
         <p:txBody>
           <a:bodyPr/>
           <a:p>
-            <a:fld id="{9747303F-67DA-4A84-9179-30B81702EC39}" type="slidenum">
+            <a:fld id="{9BF78F6B-8898-41EA-9DFE-505C4506FAC4}" type="slidenum">
               <a:t>&lt;#&gt;</a:t>
             </a:fld>
           </a:p>
@@ -1028,8 +1024,8 @@
         </p:nvSpPr>
         <p:spPr>
           <a:xfrm>
-            <a:off x="311760" y="744480"/>
-            <a:ext cx="8519760" cy="2052000"/>
+            <a:off x="457200" y="205200"/>
+            <a:ext cx="8229240" cy="858600"/>
           </a:xfrm>
           <a:prstGeom prst="rect">
             <a:avLst/>
@@ -1113,7 +1109,7 @@
         <p:txBody>
           <a:bodyPr/>
           <a:p>
-            <a:fld id="{CA77A285-3A73-4335-AE51-26A2491BAC89}" type="slidenum">
+            <a:fld id="{8428FD81-8F60-49F8-BE2F-63162C15B012}" type="slidenum">
               <a:t>&lt;#&gt;</a:t>
             </a:fld>
           </a:p>
@@ -1153,8 +1149,8 @@
         </p:nvSpPr>
         <p:spPr>
           <a:xfrm>
-            <a:off x="311760" y="744480"/>
-            <a:ext cx="8519760" cy="2052000"/>
+            <a:off x="457200" y="205200"/>
+            <a:ext cx="8229240" cy="858600"/>
           </a:xfrm>
           <a:prstGeom prst="rect">
             <a:avLst/>
@@ -1281,7 +1277,7 @@
         <p:txBody>
           <a:bodyPr/>
           <a:p>
-            <a:fld id="{E9575C8F-BE7E-42D6-8246-92045A92E2F4}" type="slidenum">
+            <a:fld id="{D2E7D132-D0AC-4CFE-96DD-2375D18839B0}" type="slidenum">
               <a:t>&lt;#&gt;</a:t>
             </a:fld>
           </a:p>
@@ -1321,8 +1317,8 @@
         </p:nvSpPr>
         <p:spPr>
           <a:xfrm>
-            <a:off x="311760" y="744480"/>
-            <a:ext cx="8519760" cy="2052000"/>
+            <a:off x="457200" y="205200"/>
+            <a:ext cx="8229240" cy="858600"/>
           </a:xfrm>
           <a:prstGeom prst="rect">
             <a:avLst/>
@@ -1363,7 +1359,7 @@
         <p:txBody>
           <a:bodyPr/>
           <a:p>
-            <a:fld id="{09FC3DD7-B22D-43E5-95DB-B59EBAB956C3}" type="slidenum">
+            <a:fld id="{67809B4D-4A77-48F8-8F2F-D98CFF9B5730}" type="slidenum">
               <a:t>&lt;#&gt;</a:t>
             </a:fld>
           </a:p>
@@ -1403,8 +1399,8 @@
         </p:nvSpPr>
         <p:spPr>
           <a:xfrm>
-            <a:off x="311760" y="744480"/>
-            <a:ext cx="8519760" cy="9513000"/>
+            <a:off x="457200" y="205200"/>
+            <a:ext cx="8229240" cy="3981240"/>
           </a:xfrm>
           <a:prstGeom prst="rect">
             <a:avLst/>
@@ -1443,7 +1439,7 @@
         <p:txBody>
           <a:bodyPr/>
           <a:p>
-            <a:fld id="{E14A1943-EF78-4DA9-A601-8C6247B97811}" type="slidenum">
+            <a:fld id="{13837BA6-F0A7-4851-BAA3-5E8B452F19C2}" type="slidenum">
               <a:t>&lt;#&gt;</a:t>
             </a:fld>
           </a:p>
@@ -1483,8 +1479,8 @@
         </p:nvSpPr>
         <p:spPr>
           <a:xfrm>
-            <a:off x="311760" y="744480"/>
-            <a:ext cx="8519760" cy="2052000"/>
+            <a:off x="457200" y="205200"/>
+            <a:ext cx="8229240" cy="858600"/>
           </a:xfrm>
           <a:prstGeom prst="rect">
             <a:avLst/>
@@ -1654,7 +1650,7 @@
         <p:txBody>
           <a:bodyPr/>
           <a:p>
-            <a:fld id="{7C97C338-55D2-4258-8D7F-1B69E1DA55BE}" type="slidenum">
+            <a:fld id="{AC4AFC2C-32B1-4419-9DC8-79C8C680A932}" type="slidenum">
               <a:t>&lt;#&gt;</a:t>
             </a:fld>
           </a:p>
@@ -1694,8 +1690,8 @@
         </p:nvSpPr>
         <p:spPr>
           <a:xfrm>
-            <a:off x="311760" y="744480"/>
-            <a:ext cx="8519760" cy="2052000"/>
+            <a:off x="457200" y="205200"/>
+            <a:ext cx="8229240" cy="858600"/>
           </a:xfrm>
           <a:prstGeom prst="rect">
             <a:avLst/>
@@ -1776,7 +1772,7 @@
         <p:txBody>
           <a:bodyPr/>
           <a:p>
-            <a:fld id="{70423AB9-875B-42F2-85F7-337D1630A708}" type="slidenum">
+            <a:fld id="{3EDDFC67-FE46-4DB0-A29A-536E482C37FC}" type="slidenum">
               <a:t>&lt;#&gt;</a:t>
             </a:fld>
           </a:p>
@@ -1816,8 +1812,8 @@
         </p:nvSpPr>
         <p:spPr>
           <a:xfrm>
-            <a:off x="311760" y="744480"/>
-            <a:ext cx="8519760" cy="2052000"/>
+            <a:off x="457200" y="205200"/>
+            <a:ext cx="8229240" cy="858600"/>
           </a:xfrm>
           <a:prstGeom prst="rect">
             <a:avLst/>
@@ -1987,7 +1983,7 @@
         <p:txBody>
           <a:bodyPr/>
           <a:p>
-            <a:fld id="{19360A77-A0A1-40EC-AF42-BCBFE43C0978}" type="slidenum">
+            <a:fld id="{4AC6DBA8-9AD1-4000-926B-866369CB347C}" type="slidenum">
               <a:t>&lt;#&gt;</a:t>
             </a:fld>
           </a:p>
@@ -2027,8 +2023,8 @@
         </p:nvSpPr>
         <p:spPr>
           <a:xfrm>
-            <a:off x="311760" y="744480"/>
-            <a:ext cx="8519760" cy="2052000"/>
+            <a:off x="457200" y="205200"/>
+            <a:ext cx="8229240" cy="858600"/>
           </a:xfrm>
           <a:prstGeom prst="rect">
             <a:avLst/>
@@ -2198,7 +2194,7 @@
         <p:txBody>
           <a:bodyPr/>
           <a:p>
-            <a:fld id="{09D8E202-8216-4064-9D51-A4867A247606}" type="slidenum">
+            <a:fld id="{9C16D254-AA12-44E9-8675-279A765B48B3}" type="slidenum">
               <a:t>&lt;#&gt;</a:t>
             </a:fld>
           </a:p>
@@ -2238,8 +2234,8 @@
         </p:nvSpPr>
         <p:spPr>
           <a:xfrm>
-            <a:off x="311760" y="744480"/>
-            <a:ext cx="8519760" cy="2052000"/>
+            <a:off x="457200" y="205200"/>
+            <a:ext cx="8229240" cy="858600"/>
           </a:xfrm>
           <a:prstGeom prst="rect">
             <a:avLst/>
@@ -2366,7 +2362,7 @@
         <p:txBody>
           <a:bodyPr/>
           <a:p>
-            <a:fld id="{38EAD87F-D4DC-4029-B254-891D264E718D}" type="slidenum">
+            <a:fld id="{ABA21791-7050-44FD-9054-163D27887D8E}" type="slidenum">
               <a:t>&lt;#&gt;</a:t>
             </a:fld>
           </a:p>
@@ -2406,8 +2402,8 @@
         </p:nvSpPr>
         <p:spPr>
           <a:xfrm>
-            <a:off x="311760" y="744480"/>
-            <a:ext cx="8519760" cy="2052000"/>
+            <a:off x="457200" y="205200"/>
+            <a:ext cx="8229240" cy="858600"/>
           </a:xfrm>
           <a:prstGeom prst="rect">
             <a:avLst/>
@@ -2620,7 +2616,7 @@
         <p:txBody>
           <a:bodyPr/>
           <a:p>
-            <a:fld id="{16B3E03E-E904-4E78-BA3E-F6DF0CA7F41B}" type="slidenum">
+            <a:fld id="{81B4F200-ED3E-47E4-9ED6-812FEA06069E}" type="slidenum">
               <a:t>&lt;#&gt;</a:t>
             </a:fld>
           </a:p>
@@ -2660,8 +2656,8 @@
         </p:nvSpPr>
         <p:spPr>
           <a:xfrm>
-            <a:off x="311760" y="744480"/>
-            <a:ext cx="8519760" cy="2052000"/>
+            <a:off x="457200" y="205200"/>
+            <a:ext cx="8229240" cy="858600"/>
           </a:xfrm>
           <a:prstGeom prst="rect">
             <a:avLst/>
@@ -2960,7 +2956,7 @@
         <p:txBody>
           <a:bodyPr/>
           <a:p>
-            <a:fld id="{97091AA2-654A-4153-9A21-C569BFDF047C}" type="slidenum">
+            <a:fld id="{F5CE6EE4-0FEE-4003-BC86-681A54F7AB55}" type="slidenum">
               <a:t>&lt;#&gt;</a:t>
             </a:fld>
           </a:p>
@@ -3000,8 +2996,8 @@
         </p:nvSpPr>
         <p:spPr>
           <a:xfrm>
-            <a:off x="311760" y="744480"/>
-            <a:ext cx="8519760" cy="2052000"/>
+            <a:off x="457200" y="205200"/>
+            <a:ext cx="8229240" cy="858600"/>
           </a:xfrm>
           <a:prstGeom prst="rect">
             <a:avLst/>
@@ -3085,7 +3081,7 @@
         <p:txBody>
           <a:bodyPr/>
           <a:p>
-            <a:fld id="{8CE88673-00A8-4A02-BA0D-5198CFFC22C7}" type="slidenum">
+            <a:fld id="{FB259A7E-FD9A-4182-AC1D-AE4F3E5B9884}" type="slidenum">
               <a:t>&lt;#&gt;</a:t>
             </a:fld>
           </a:p>
@@ -3125,8 +3121,8 @@
         </p:nvSpPr>
         <p:spPr>
           <a:xfrm>
-            <a:off x="311760" y="744480"/>
-            <a:ext cx="8519760" cy="2052000"/>
+            <a:off x="457200" y="205200"/>
+            <a:ext cx="8229240" cy="858600"/>
           </a:xfrm>
           <a:prstGeom prst="rect">
             <a:avLst/>
@@ -3253,7 +3249,7 @@
         <p:txBody>
           <a:bodyPr/>
           <a:p>
-            <a:fld id="{5404C190-65FD-4685-AEFB-A47A0B1C40FC}" type="slidenum">
+            <a:fld id="{2D0A5FBE-443B-48B2-800F-00F82146E5DC}" type="slidenum">
               <a:t>&lt;#&gt;</a:t>
             </a:fld>
           </a:p>
@@ -3293,8 +3289,8 @@
         </p:nvSpPr>
         <p:spPr>
           <a:xfrm>
-            <a:off x="311760" y="744480"/>
-            <a:ext cx="8519760" cy="2052000"/>
+            <a:off x="457200" y="205200"/>
+            <a:ext cx="8229240" cy="858600"/>
           </a:xfrm>
           <a:prstGeom prst="rect">
             <a:avLst/>
@@ -3335,7 +3331,7 @@
         <p:txBody>
           <a:bodyPr/>
           <a:p>
-            <a:fld id="{64741E6E-DABD-42C7-BC07-3DA85F2DCB16}" type="slidenum">
+            <a:fld id="{530AE182-DF0C-4946-B95A-C612071F4135}" type="slidenum">
               <a:t>&lt;#&gt;</a:t>
             </a:fld>
           </a:p>
@@ -3375,8 +3371,8 @@
         </p:nvSpPr>
         <p:spPr>
           <a:xfrm>
-            <a:off x="311760" y="744480"/>
-            <a:ext cx="8519760" cy="9513000"/>
+            <a:off x="457200" y="205200"/>
+            <a:ext cx="8229240" cy="3981240"/>
           </a:xfrm>
           <a:prstGeom prst="rect">
             <a:avLst/>
@@ -3415,7 +3411,7 @@
         <p:txBody>
           <a:bodyPr/>
           <a:p>
-            <a:fld id="{F1CF91C5-D8EB-4E11-97D1-10BB5685ABD2}" type="slidenum">
+            <a:fld id="{D6913D8A-7A28-422F-BBBC-6EDFDD3B2E95}" type="slidenum">
               <a:t>&lt;#&gt;</a:t>
             </a:fld>
           </a:p>
@@ -3455,8 +3451,8 @@
         </p:nvSpPr>
         <p:spPr>
           <a:xfrm>
-            <a:off x="311760" y="744480"/>
-            <a:ext cx="8519760" cy="2052000"/>
+            <a:off x="457200" y="205200"/>
+            <a:ext cx="8229240" cy="858600"/>
           </a:xfrm>
           <a:prstGeom prst="rect">
             <a:avLst/>
@@ -3626,7 +3622,7 @@
         <p:txBody>
           <a:bodyPr/>
           <a:p>
-            <a:fld id="{E57FD1B0-D833-4DD3-BFF4-3827575A3889}" type="slidenum">
+            <a:fld id="{6E47AF42-D3B8-4371-90DD-D754C4D6288C}" type="slidenum">
               <a:t>&lt;#&gt;</a:t>
             </a:fld>
           </a:p>
@@ -3666,8 +3662,8 @@
         </p:nvSpPr>
         <p:spPr>
           <a:xfrm>
-            <a:off x="311760" y="744480"/>
-            <a:ext cx="8519760" cy="2052000"/>
+            <a:off x="457200" y="205200"/>
+            <a:ext cx="8229240" cy="858600"/>
           </a:xfrm>
           <a:prstGeom prst="rect">
             <a:avLst/>
@@ -3837,7 +3833,7 @@
         <p:txBody>
           <a:bodyPr/>
           <a:p>
-            <a:fld id="{078094BD-121D-41DA-8160-7BFBB13431E7}" type="slidenum">
+            <a:fld id="{DAD89A40-3E43-4C81-940B-E2C6D3CE3D8C}" type="slidenum">
               <a:t>&lt;#&gt;</a:t>
             </a:fld>
           </a:p>
@@ -3877,8 +3873,8 @@
         </p:nvSpPr>
         <p:spPr>
           <a:xfrm>
-            <a:off x="311760" y="744480"/>
-            <a:ext cx="8519760" cy="2052000"/>
+            <a:off x="457200" y="205200"/>
+            <a:ext cx="8229240" cy="858600"/>
           </a:xfrm>
           <a:prstGeom prst="rect">
             <a:avLst/>
@@ -4048,7 +4044,7 @@
         <p:txBody>
           <a:bodyPr/>
           <a:p>
-            <a:fld id="{C10D0C95-5240-41CB-804C-64BADF536BFF}" type="slidenum">
+            <a:fld id="{1207A3EC-C7CD-4637-824F-95AC7289A42A}" type="slidenum">
               <a:t>&lt;#&gt;</a:t>
             </a:fld>
           </a:p>
@@ -4090,62 +4086,13 @@
             <a:spLocks noGrp="1"/>
           </p:cNvSpPr>
           <p:nvPr>
-            <p:ph type="title"/>
-          </p:nvPr>
-        </p:nvSpPr>
-        <p:spPr>
-          <a:xfrm>
-            <a:off x="311760" y="744480"/>
-            <a:ext cx="8519760" cy="2052000"/>
-          </a:xfrm>
-          <a:prstGeom prst="rect">
-            <a:avLst/>
-          </a:prstGeom>
-          <a:noFill/>
-          <a:ln w="0">
-            <a:noFill/>
-          </a:ln>
-        </p:spPr>
-        <p:txBody>
-          <a:bodyPr lIns="0" rIns="0" tIns="0" bIns="0" anchor="ctr">
-            <a:noAutofit/>
-          </a:bodyPr>
-          <a:p>
-            <a:pPr indent="0">
-              <a:buNone/>
-            </a:pPr>
-            <a:r>
-              <a:rPr b="0" lang="en-IL" sz="1800" spc="-1" strike="noStrike">
-                <a:solidFill>
-                  <a:srgbClr val="000000"/>
-                </a:solidFill>
-                <a:latin typeface="Arial"/>
-              </a:rPr>
-              <a:t>Click to edit the title text format</a:t>
-            </a:r>
-            <a:endParaRPr b="0" lang="en-IL" sz="1800" spc="-1" strike="noStrike">
-              <a:solidFill>
-                <a:srgbClr val="000000"/>
-              </a:solidFill>
-              <a:latin typeface="Arial"/>
-            </a:endParaRPr>
-          </a:p>
-        </p:txBody>
-      </p:sp>
-      <p:sp>
-        <p:nvSpPr>
-          <p:cNvPr id="1" name="PlaceHolder 2"/>
-          <p:cNvSpPr>
-            <a:spLocks noGrp="1"/>
-          </p:cNvSpPr>
-          <p:nvPr>
             <p:ph type="sldNum" idx="1"/>
           </p:nvPr>
         </p:nvSpPr>
         <p:spPr>
           <a:xfrm>
             <a:off x="8472600" y="4663080"/>
-            <a:ext cx="547920" cy="392760"/>
+            <a:ext cx="547200" cy="392040"/>
           </a:xfrm>
           <a:prstGeom prst="rect">
             <a:avLst/>
@@ -4187,7 +4134,7 @@
                 <a:tab algn="l" pos="0"/>
               </a:tabLst>
             </a:pPr>
-            <a:fld id="{EFCCA6AA-E016-4559-A53B-05E492A0335C}" type="slidenum">
+            <a:fld id="{F70670FE-A005-48BA-AE7A-5A9F79A5E802}" type="slidenum">
               <a:rPr b="0" lang="en-IL" sz="1000" spc="-1" strike="noStrike">
                 <a:solidFill>
                   <a:schemeClr val="dk2"/>
@@ -4195,13 +4142,62 @@
                 <a:latin typeface="Arial"/>
                 <a:ea typeface="Arial"/>
               </a:rPr>
-              <a:t>19</a:t>
+              <a:t>11</a:t>
             </a:fld>
             <a:endParaRPr b="0" lang="en-IL" sz="1000" spc="-1" strike="noStrike">
               <a:solidFill>
                 <a:srgbClr val="000000"/>
               </a:solidFill>
               <a:latin typeface="Times New Roman"/>
+            </a:endParaRPr>
+          </a:p>
+        </p:txBody>
+      </p:sp>
+      <p:sp>
+        <p:nvSpPr>
+          <p:cNvPr id="1" name="PlaceHolder 2"/>
+          <p:cNvSpPr>
+            <a:spLocks noGrp="1"/>
+          </p:cNvSpPr>
+          <p:nvPr>
+            <p:ph type="title"/>
+          </p:nvPr>
+        </p:nvSpPr>
+        <p:spPr>
+          <a:xfrm>
+            <a:off x="457200" y="205200"/>
+            <a:ext cx="8229240" cy="858600"/>
+          </a:xfrm>
+          <a:prstGeom prst="rect">
+            <a:avLst/>
+          </a:prstGeom>
+          <a:noFill/>
+          <a:ln w="0">
+            <a:noFill/>
+          </a:ln>
+        </p:spPr>
+        <p:txBody>
+          <a:bodyPr lIns="0" rIns="0" tIns="0" bIns="0" anchor="ctr">
+            <a:noAutofit/>
+          </a:bodyPr>
+          <a:p>
+            <a:pPr indent="0" algn="ctr">
+              <a:buNone/>
+            </a:pPr>
+            <a:r>
+              <a:rPr b="0" lang="en-IL" sz="4400" spc="-1" strike="noStrike">
+                <a:solidFill>
+                  <a:srgbClr val="000000"/>
+                </a:solidFill>
+                <a:latin typeface="Arial"/>
+              </a:rPr>
+              <a:t>Click to edit the title text format</a:t>
+            </a:r>
+            <a:endParaRPr b="0" lang="en-IL" sz="4400" spc="-1" strike="noStrike">
+              <a:solidFill>
+                <a:srgbClr val="000000"/>
+              </a:solidFill>
+              <a:latin typeface="Arial"/>
             </a:endParaRPr>
           </a:p>
         </p:txBody>
@@ -4488,7 +4484,7 @@
         <p:spPr>
           <a:xfrm>
             <a:off x="8472600" y="4663080"/>
-            <a:ext cx="547920" cy="392760"/>
+            <a:ext cx="547200" cy="392040"/>
           </a:xfrm>
           <a:prstGeom prst="rect">
             <a:avLst/>
@@ -4530,7 +4526,7 @@
                 <a:tab algn="l" pos="0"/>
               </a:tabLst>
             </a:pPr>
-            <a:fld id="{A28A092D-6974-4A47-9C0A-EDED0FFCDA3D}" type="slidenum">
+            <a:fld id="{1C5A02FA-A351-42A4-8CB1-FE0F44117F2E}" type="slidenum">
               <a:rPr b="0" lang="en-IL" sz="1000" spc="-1" strike="noStrike">
                 <a:solidFill>
                   <a:schemeClr val="dk2"/>
@@ -4873,7 +4869,7 @@
         <p:spPr>
           <a:xfrm>
             <a:off x="143640" y="-712800"/>
-            <a:ext cx="8519760" cy="2052000"/>
+            <a:ext cx="8519040" cy="2051280"/>
           </a:xfrm>
           <a:prstGeom prst="rect">
             <a:avLst/>
@@ -5004,7 +5000,7 @@
         <p:spPr>
           <a:xfrm>
             <a:off x="311760" y="532440"/>
-            <a:ext cx="8519760" cy="3093480"/>
+            <a:ext cx="8519040" cy="3092760"/>
           </a:xfrm>
           <a:prstGeom prst="rect">
             <a:avLst/>
@@ -5086,7 +5082,7 @@
                 <a:latin typeface="Arial"/>
                 <a:ea typeface="Arial"/>
               </a:rPr>
-              <a:t>MOrello</a:t>
+              <a:t>Morello</a:t>
             </a:r>
             <a:br>
               <a:rPr sz="2850"/>
@@ -5157,32 +5153,9 @@
           <a:chExt cx="0" cy="0"/>
         </a:xfrm>
       </p:grpSpPr>
-      <p:pic>
-        <p:nvPicPr>
-          <p:cNvPr id="130" name="" descr=""/>
-          <p:cNvPicPr/>
-          <p:nvPr/>
-        </p:nvPicPr>
-        <p:blipFill>
-          <a:blip r:embed="rId1"/>
-          <a:stretch/>
-        </p:blipFill>
-        <p:spPr>
-          <a:xfrm>
-            <a:off x="1440000" y="0"/>
-            <a:ext cx="6648840" cy="5142960"/>
-          </a:xfrm>
-          <a:prstGeom prst="rect">
-            <a:avLst/>
-          </a:prstGeom>
-          <a:ln w="36000">
-            <a:noFill/>
-          </a:ln>
-        </p:spPr>
-      </p:pic>
-      <p:sp>
-        <p:nvSpPr>
-          <p:cNvPr id="131" name="PlaceHolder 1"/>
+      <p:sp>
+        <p:nvSpPr>
+          <p:cNvPr id="117" name="PlaceHolder 1"/>
           <p:cNvSpPr>
             <a:spLocks noGrp="1"/>
           </p:cNvSpPr>
@@ -5192,8 +5165,8 @@
         </p:nvSpPr>
         <p:spPr>
           <a:xfrm>
-            <a:off x="0" y="720000"/>
-            <a:ext cx="1619640" cy="1259640"/>
+            <a:off x="153720" y="393840"/>
+            <a:ext cx="8519040" cy="291240"/>
           </a:xfrm>
           <a:prstGeom prst="rect">
             <a:avLst/>
@@ -5205,7 +5178,7 @@
         </p:spPr>
         <p:txBody>
           <a:bodyPr lIns="91440" rIns="91440" tIns="91440" bIns="91440" anchor="b">
-            <a:normAutofit fontScale="96666"/>
+            <a:noAutofit/>
           </a:bodyPr>
           <a:p>
             <a:pPr indent="0">
@@ -5225,7 +5198,7 @@
                 <a:latin typeface="Arial"/>
                 <a:ea typeface="Arial"/>
               </a:rPr>
-              <a:t>Profile page</a:t>
+              <a:t>Entities</a:t>
             </a:r>
             <a:endParaRPr b="0" lang="en-IL" sz="3600" spc="-1" strike="noStrike">
               <a:solidFill>
@@ -5238,24 +5211,346 @@
       </p:sp>
       <p:sp>
         <p:nvSpPr>
-          <p:cNvPr id="132" name=""/>
+          <p:cNvPr id="118" name="PlaceHolder 2"/>
+          <p:cNvSpPr>
+            <a:spLocks noGrp="1"/>
+          </p:cNvSpPr>
+          <p:nvPr>
+            <p:ph type="subTitle"/>
+          </p:nvPr>
+        </p:nvSpPr>
+        <p:spPr>
+          <a:xfrm>
+            <a:off x="223560" y="800280"/>
+            <a:ext cx="3299040" cy="3598920"/>
+          </a:xfrm>
+          <a:prstGeom prst="rect">
+            <a:avLst/>
+          </a:prstGeom>
+          <a:noFill/>
+          <a:ln w="0">
+            <a:noFill/>
+          </a:ln>
+        </p:spPr>
+        <p:txBody>
+          <a:bodyPr lIns="91440" rIns="91440" tIns="91440" bIns="91440" anchor="t">
+            <a:normAutofit/>
+          </a:bodyPr>
+          <a:p>
+            <a:pPr marL="216000" indent="0">
+              <a:lnSpc>
+                <a:spcPct val="100000"/>
+              </a:lnSpc>
+              <a:buNone/>
+              <a:tabLst>
+                <a:tab algn="l" pos="0"/>
+              </a:tabLst>
+            </a:pPr>
+            <a:endParaRPr b="0" lang="en-IL" sz="1800" spc="-1" strike="noStrike">
+              <a:solidFill>
+                <a:srgbClr val="000000"/>
+              </a:solidFill>
+              <a:latin typeface="Arial"/>
+            </a:endParaRPr>
+          </a:p>
+          <a:p>
+            <a:pPr marL="216000" indent="-216000">
+              <a:lnSpc>
+                <a:spcPct val="100000"/>
+              </a:lnSpc>
+              <a:buClr>
+                <a:srgbClr val="000000"/>
+              </a:buClr>
+              <a:buSzPct val="45000"/>
+              <a:buFont typeface="Wingdings" charset="2"/>
+              <a:buChar char=""/>
+              <a:tabLst>
+                <a:tab algn="l" pos="0"/>
+              </a:tabLst>
+            </a:pPr>
+            <a:r>
+              <a:rPr b="0" lang="en-IL" sz="1800" spc="-1" strike="noStrike">
+                <a:solidFill>
+                  <a:srgbClr val="000000"/>
+                </a:solidFill>
+                <a:latin typeface="Arial"/>
+              </a:rPr>
+              <a:t>Board</a:t>
+            </a:r>
+            <a:endParaRPr b="0" lang="en-IL" sz="1800" spc="-1" strike="noStrike">
+              <a:solidFill>
+                <a:srgbClr val="000000"/>
+              </a:solidFill>
+              <a:latin typeface="Arial"/>
+            </a:endParaRPr>
+          </a:p>
+          <a:p>
+            <a:pPr lvl="1" marL="432000" indent="-216000">
+              <a:lnSpc>
+                <a:spcPct val="100000"/>
+              </a:lnSpc>
+              <a:buClr>
+                <a:srgbClr val="000000"/>
+              </a:buClr>
+              <a:buSzPct val="45000"/>
+              <a:buFont typeface="Wingdings" charset="2"/>
+              <a:buChar char=""/>
+              <a:tabLst>
+                <a:tab algn="l" pos="0"/>
+              </a:tabLst>
+            </a:pPr>
+            <a:r>
+              <a:rPr b="0" lang="en-IL" sz="1800" spc="-1" strike="noStrike">
+                <a:solidFill>
+                  <a:srgbClr val="000000"/>
+                </a:solidFill>
+                <a:latin typeface="Arial"/>
+              </a:rPr>
+              <a:t>List = Group</a:t>
+            </a:r>
+            <a:endParaRPr b="0" lang="en-IL" sz="1800" spc="-1" strike="noStrike">
+              <a:solidFill>
+                <a:srgbClr val="000000"/>
+              </a:solidFill>
+              <a:latin typeface="Arial"/>
+            </a:endParaRPr>
+          </a:p>
+          <a:p>
+            <a:pPr lvl="2" marL="648000" indent="-216000">
+              <a:lnSpc>
+                <a:spcPct val="100000"/>
+              </a:lnSpc>
+              <a:buClr>
+                <a:srgbClr val="000000"/>
+              </a:buClr>
+              <a:buSzPct val="45000"/>
+              <a:buFont typeface="Wingdings" charset="2"/>
+              <a:buChar char=""/>
+              <a:tabLst>
+                <a:tab algn="l" pos="0"/>
+              </a:tabLst>
+            </a:pPr>
+            <a:r>
+              <a:rPr b="0" lang="en-IL" sz="1800" spc="-1" strike="noStrike">
+                <a:solidFill>
+                  <a:srgbClr val="000000"/>
+                </a:solidFill>
+                <a:latin typeface="Arial"/>
+              </a:rPr>
+              <a:t>Card = Task:</a:t>
+            </a:r>
+            <a:endParaRPr b="0" lang="en-IL" sz="1800" spc="-1" strike="noStrike">
+              <a:solidFill>
+                <a:srgbClr val="000000"/>
+              </a:solidFill>
+              <a:latin typeface="Arial"/>
+            </a:endParaRPr>
+          </a:p>
+          <a:p>
+            <a:pPr lvl="3" marL="864000" indent="-216000">
+              <a:lnSpc>
+                <a:spcPct val="100000"/>
+              </a:lnSpc>
+              <a:buClr>
+                <a:srgbClr val="000000"/>
+              </a:buClr>
+              <a:buSzPct val="45000"/>
+              <a:buFont typeface="Wingdings" charset="2"/>
+              <a:buChar char=""/>
+              <a:tabLst>
+                <a:tab algn="l" pos="0"/>
+              </a:tabLst>
+            </a:pPr>
+            <a:r>
+              <a:rPr b="0" lang="en-IL" sz="1800" spc="-1" strike="noStrike">
+                <a:solidFill>
+                  <a:srgbClr val="000000"/>
+                </a:solidFill>
+                <a:latin typeface="Arial"/>
+              </a:rPr>
+              <a:t>Comment</a:t>
+            </a:r>
+            <a:endParaRPr b="0" lang="en-IL" sz="1800" spc="-1" strike="noStrike">
+              <a:solidFill>
+                <a:srgbClr val="000000"/>
+              </a:solidFill>
+              <a:latin typeface="Arial"/>
+            </a:endParaRPr>
+          </a:p>
+          <a:p>
+            <a:pPr lvl="3" marL="864000" indent="-216000">
+              <a:lnSpc>
+                <a:spcPct val="100000"/>
+              </a:lnSpc>
+              <a:buClr>
+                <a:srgbClr val="000000"/>
+              </a:buClr>
+              <a:buSzPct val="45000"/>
+              <a:buFont typeface="Wingdings" charset="2"/>
+              <a:buChar char=""/>
+              <a:tabLst>
+                <a:tab algn="l" pos="0"/>
+              </a:tabLst>
+            </a:pPr>
+            <a:r>
+              <a:rPr b="0" lang="en-IL" sz="1800" spc="-1" strike="noStrike">
+                <a:solidFill>
+                  <a:srgbClr val="000000"/>
+                </a:solidFill>
+                <a:latin typeface="Arial"/>
+              </a:rPr>
+              <a:t>Checklist+Todo</a:t>
+            </a:r>
+            <a:endParaRPr b="0" lang="en-IL" sz="1800" spc="-1" strike="noStrike">
+              <a:solidFill>
+                <a:srgbClr val="000000"/>
+              </a:solidFill>
+              <a:latin typeface="Arial"/>
+            </a:endParaRPr>
+          </a:p>
+          <a:p>
+            <a:pPr lvl="3" marL="864000" indent="-216000">
+              <a:lnSpc>
+                <a:spcPct val="100000"/>
+              </a:lnSpc>
+              <a:buClr>
+                <a:srgbClr val="000000"/>
+              </a:buClr>
+              <a:buSzPct val="45000"/>
+              <a:buFont typeface="Wingdings" charset="2"/>
+              <a:buChar char=""/>
+              <a:tabLst>
+                <a:tab algn="l" pos="0"/>
+              </a:tabLst>
+            </a:pPr>
+            <a:r>
+              <a:rPr b="0" lang="en-IL" sz="1800" spc="-1" strike="noStrike">
+                <a:solidFill>
+                  <a:srgbClr val="000000"/>
+                </a:solidFill>
+                <a:latin typeface="Arial"/>
+              </a:rPr>
+              <a:t>Attachment</a:t>
+            </a:r>
+            <a:endParaRPr b="0" lang="en-IL" sz="1800" spc="-1" strike="noStrike">
+              <a:solidFill>
+                <a:srgbClr val="000000"/>
+              </a:solidFill>
+              <a:latin typeface="Arial"/>
+            </a:endParaRPr>
+          </a:p>
+          <a:p>
+            <a:pPr marL="216000" indent="-216000">
+              <a:lnSpc>
+                <a:spcPct val="100000"/>
+              </a:lnSpc>
+              <a:buClr>
+                <a:srgbClr val="000000"/>
+              </a:buClr>
+              <a:buSzPct val="45000"/>
+              <a:buFont typeface="Wingdings" charset="2"/>
+              <a:buChar char=""/>
+              <a:tabLst>
+                <a:tab algn="l" pos="0"/>
+              </a:tabLst>
+            </a:pPr>
+            <a:r>
+              <a:rPr b="0" lang="en-IL" sz="1800" spc="-1" strike="noStrike">
+                <a:solidFill>
+                  <a:srgbClr val="000000"/>
+                </a:solidFill>
+                <a:latin typeface="Arial"/>
+              </a:rPr>
+              <a:t>Member</a:t>
+            </a:r>
+            <a:endParaRPr b="0" lang="en-IL" sz="1800" spc="-1" strike="noStrike">
+              <a:solidFill>
+                <a:srgbClr val="000000"/>
+              </a:solidFill>
+              <a:latin typeface="Arial"/>
+            </a:endParaRPr>
+          </a:p>
+          <a:p>
+            <a:pPr marL="216000" indent="-216000">
+              <a:lnSpc>
+                <a:spcPct val="100000"/>
+              </a:lnSpc>
+              <a:buClr>
+                <a:srgbClr val="000000"/>
+              </a:buClr>
+              <a:buSzPct val="45000"/>
+              <a:buFont typeface="Wingdings" charset="2"/>
+              <a:buChar char=""/>
+              <a:tabLst>
+                <a:tab algn="l" pos="0"/>
+              </a:tabLst>
+            </a:pPr>
+            <a:r>
+              <a:rPr b="0" lang="en-IL" sz="1800" spc="-1" strike="noStrike">
+                <a:solidFill>
+                  <a:srgbClr val="000000"/>
+                </a:solidFill>
+                <a:latin typeface="Arial"/>
+              </a:rPr>
+              <a:t>Label</a:t>
+            </a:r>
+            <a:endParaRPr b="0" lang="en-IL" sz="1800" spc="-1" strike="noStrike">
+              <a:solidFill>
+                <a:srgbClr val="000000"/>
+              </a:solidFill>
+              <a:latin typeface="Arial"/>
+            </a:endParaRPr>
+          </a:p>
+          <a:p>
+            <a:pPr marL="216000" indent="-216000">
+              <a:lnSpc>
+                <a:spcPct val="100000"/>
+              </a:lnSpc>
+              <a:buClr>
+                <a:srgbClr val="000000"/>
+              </a:buClr>
+              <a:buSzPct val="45000"/>
+              <a:buFont typeface="Wingdings" charset="2"/>
+              <a:buChar char=""/>
+              <a:tabLst>
+                <a:tab algn="l" pos="0"/>
+              </a:tabLst>
+            </a:pPr>
+            <a:r>
+              <a:rPr b="0" lang="en-IL" sz="1800" spc="-1" strike="noStrike">
+                <a:solidFill>
+                  <a:srgbClr val="000000"/>
+                </a:solidFill>
+                <a:latin typeface="Arial"/>
+              </a:rPr>
+              <a:t>Action</a:t>
+            </a:r>
+            <a:endParaRPr b="0" lang="en-IL" sz="1800" spc="-1" strike="noStrike">
+              <a:solidFill>
+                <a:srgbClr val="000000"/>
+              </a:solidFill>
+              <a:latin typeface="Arial"/>
+            </a:endParaRPr>
+          </a:p>
+        </p:txBody>
+      </p:sp>
+      <p:sp>
+        <p:nvSpPr>
+          <p:cNvPr id="119" name="Google Shape;79;p 1"/>
           <p:cNvSpPr/>
           <p:nvPr/>
         </p:nvSpPr>
         <p:spPr>
-          <a:xfrm rot="11400">
-            <a:off x="2750400" y="0"/>
-            <a:ext cx="359280" cy="356760"/>
-          </a:xfrm>
-          <a:prstGeom prst="rect">
-            <a:avLst/>
-          </a:prstGeom>
-          <a:noFill/>
-          <a:ln w="36000">
-            <a:solidFill>
-              <a:srgbClr val="bf0041"/>
-            </a:solidFill>
-            <a:round/>
+          <a:xfrm>
+            <a:off x="4259880" y="1080000"/>
+            <a:ext cx="3299040" cy="2158920"/>
+          </a:xfrm>
+          <a:prstGeom prst="rect">
+            <a:avLst/>
+          </a:prstGeom>
+          <a:noFill/>
+          <a:ln w="0">
+            <a:noFill/>
           </a:ln>
         </p:spPr>
         <p:style>
@@ -5265,8 +5560,8 @@
           <a:fontRef idx="minor"/>
         </p:style>
         <p:txBody>
-          <a:bodyPr lIns="90000" rIns="90000" tIns="45000" bIns="45000" anchor="ctr">
-            <a:noAutofit/>
+          <a:bodyPr lIns="90000" rIns="90000" tIns="91440" bIns="91440" anchor="t">
+            <a:normAutofit/>
           </a:bodyPr>
           <a:p>
             <a:pPr>
@@ -5274,35 +5569,73 @@
                 <a:spcPct val="100000"/>
               </a:lnSpc>
             </a:pPr>
-            <a:endParaRPr b="0" lang="en-IL" sz="2400" spc="-1" strike="noStrike">
-              <a:solidFill>
-                <a:srgbClr val="000000"/>
-              </a:solidFill>
-              <a:latin typeface="Arial"/>
-            </a:endParaRPr>
-          </a:p>
-        </p:txBody>
-      </p:sp>
-      <p:sp>
-        <p:nvSpPr>
-          <p:cNvPr id="133" name=""/>
+            <a:endParaRPr b="0" lang="en-IL" sz="1800" spc="-1" strike="noStrike">
+              <a:solidFill>
+                <a:srgbClr val="bf0041"/>
+              </a:solidFill>
+              <a:latin typeface="Arial"/>
+            </a:endParaRPr>
+          </a:p>
+          <a:p>
+            <a:pPr marL="216000" indent="-216000">
+              <a:lnSpc>
+                <a:spcPct val="100000"/>
+              </a:lnSpc>
+              <a:buClr>
+                <a:srgbClr val="000000"/>
+              </a:buClr>
+              <a:buSzPct val="45000"/>
+              <a:buFont typeface="Wingdings" charset="2"/>
+              <a:buChar char=""/>
+            </a:pPr>
+            <a:r>
+              <a:rPr b="0" lang="en-IL" sz="1800" spc="-1" strike="noStrike">
+                <a:solidFill>
+                  <a:srgbClr val="000000"/>
+                </a:solidFill>
+                <a:latin typeface="Arial"/>
+              </a:rPr>
+              <a:t>Activity</a:t>
+            </a:r>
+            <a:endParaRPr b="0" lang="en-IL" sz="1800" spc="-1" strike="noStrike">
+              <a:solidFill>
+                <a:srgbClr val="bf0041"/>
+              </a:solidFill>
+              <a:latin typeface="Arial"/>
+            </a:endParaRPr>
+          </a:p>
+          <a:p>
+            <a:pPr>
+              <a:lnSpc>
+                <a:spcPct val="100000"/>
+              </a:lnSpc>
+            </a:pPr>
+            <a:endParaRPr b="0" lang="en-IL" sz="1800" spc="-1" strike="noStrike">
+              <a:solidFill>
+                <a:srgbClr val="bf0041"/>
+              </a:solidFill>
+              <a:latin typeface="Arial"/>
+            </a:endParaRPr>
+          </a:p>
+        </p:txBody>
+      </p:sp>
+      <p:sp>
+        <p:nvSpPr>
+          <p:cNvPr id="120" name=""/>
           <p:cNvSpPr/>
           <p:nvPr/>
         </p:nvSpPr>
         <p:spPr>
           <a:xfrm>
-            <a:off x="3240000" y="-22320"/>
-            <a:ext cx="359640" cy="356760"/>
+            <a:off x="4140000" y="540000"/>
+            <a:ext cx="2518920" cy="429120"/>
           </a:xfrm>
           <a:prstGeom prst="rect">
             <a:avLst/>
           </a:prstGeom>
           <a:noFill/>
           <a:ln w="36000">
-            <a:solidFill>
-              <a:srgbClr val="bf0041"/>
-            </a:solidFill>
-            <a:round/>
+            <a:noFill/>
           </a:ln>
         </p:spPr>
         <p:style>
@@ -5312,7 +5645,7 @@
           <a:fontRef idx="minor"/>
         </p:style>
         <p:txBody>
-          <a:bodyPr lIns="90000" rIns="90000" tIns="45000" bIns="45000" anchor="ctr">
+          <a:bodyPr lIns="90000" rIns="90000" tIns="45000" bIns="45000" anchor="t">
             <a:noAutofit/>
           </a:bodyPr>
           <a:p>
@@ -5321,375 +5654,18 @@
                 <a:spcPct val="100000"/>
               </a:lnSpc>
             </a:pPr>
+            <a:r>
+              <a:rPr b="0" lang="en-IL" sz="2400" spc="-1" strike="noStrike">
+                <a:solidFill>
+                  <a:srgbClr val="000000"/>
+                </a:solidFill>
+                <a:latin typeface="Arial"/>
+              </a:rPr>
+              <a:t>Nice to have:</a:t>
+            </a:r>
             <a:endParaRPr b="0" lang="en-IL" sz="2400" spc="-1" strike="noStrike">
               <a:solidFill>
-                <a:srgbClr val="000000"/>
-              </a:solidFill>
-              <a:latin typeface="Arial"/>
-            </a:endParaRPr>
-          </a:p>
-        </p:txBody>
-      </p:sp>
-      <p:sp>
-        <p:nvSpPr>
-          <p:cNvPr id="134" name=""/>
-          <p:cNvSpPr/>
-          <p:nvPr/>
-        </p:nvSpPr>
-        <p:spPr>
-          <a:xfrm>
-            <a:off x="4320000" y="0"/>
-            <a:ext cx="359640" cy="356760"/>
-          </a:xfrm>
-          <a:prstGeom prst="rect">
-            <a:avLst/>
-          </a:prstGeom>
-          <a:noFill/>
-          <a:ln w="36000">
-            <a:solidFill>
-              <a:srgbClr val="bf0041"/>
-            </a:solidFill>
-            <a:round/>
-          </a:ln>
-        </p:spPr>
-        <p:style>
-          <a:lnRef idx="0"/>
-          <a:fillRef idx="0"/>
-          <a:effectRef idx="0"/>
-          <a:fontRef idx="minor"/>
-        </p:style>
-        <p:txBody>
-          <a:bodyPr lIns="90000" rIns="90000" tIns="45000" bIns="45000" anchor="ctr">
-            <a:noAutofit/>
-          </a:bodyPr>
-          <a:p>
-            <a:pPr>
-              <a:lnSpc>
-                <a:spcPct val="100000"/>
-              </a:lnSpc>
-            </a:pPr>
-            <a:endParaRPr b="0" lang="en-IL" sz="2400" spc="-1" strike="noStrike">
-              <a:solidFill>
-                <a:srgbClr val="000000"/>
-              </a:solidFill>
-              <a:latin typeface="Arial"/>
-            </a:endParaRPr>
-          </a:p>
-        </p:txBody>
-      </p:sp>
-      <p:sp>
-        <p:nvSpPr>
-          <p:cNvPr id="135" name=""/>
-          <p:cNvSpPr/>
-          <p:nvPr/>
-        </p:nvSpPr>
-        <p:spPr>
-          <a:xfrm>
-            <a:off x="6480000" y="0"/>
-            <a:ext cx="1079640" cy="356760"/>
-          </a:xfrm>
-          <a:prstGeom prst="rect">
-            <a:avLst/>
-          </a:prstGeom>
-          <a:noFill/>
-          <a:ln w="36000">
-            <a:solidFill>
-              <a:srgbClr val="bf0041"/>
-            </a:solidFill>
-            <a:round/>
-          </a:ln>
-        </p:spPr>
-        <p:style>
-          <a:lnRef idx="0"/>
-          <a:fillRef idx="0"/>
-          <a:effectRef idx="0"/>
-          <a:fontRef idx="minor"/>
-        </p:style>
-        <p:txBody>
-          <a:bodyPr lIns="90000" rIns="90000" tIns="45000" bIns="45000" anchor="ctr">
-            <a:noAutofit/>
-          </a:bodyPr>
-          <a:p>
-            <a:pPr>
-              <a:lnSpc>
-                <a:spcPct val="100000"/>
-              </a:lnSpc>
-            </a:pPr>
-            <a:endParaRPr b="0" lang="en-IL" sz="2400" spc="-1" strike="noStrike">
-              <a:solidFill>
-                <a:srgbClr val="000000"/>
-              </a:solidFill>
-              <a:latin typeface="Arial"/>
-            </a:endParaRPr>
-          </a:p>
-        </p:txBody>
-      </p:sp>
-      <p:sp>
-        <p:nvSpPr>
-          <p:cNvPr id="136" name=""/>
-          <p:cNvSpPr/>
-          <p:nvPr/>
-        </p:nvSpPr>
-        <p:spPr>
-          <a:xfrm>
-            <a:off x="7920000" y="0"/>
-            <a:ext cx="359640" cy="356760"/>
-          </a:xfrm>
-          <a:prstGeom prst="rect">
-            <a:avLst/>
-          </a:prstGeom>
-          <a:noFill/>
-          <a:ln w="36000">
-            <a:solidFill>
-              <a:srgbClr val="bf0041"/>
-            </a:solidFill>
-            <a:round/>
-          </a:ln>
-        </p:spPr>
-        <p:style>
-          <a:lnRef idx="0"/>
-          <a:fillRef idx="0"/>
-          <a:effectRef idx="0"/>
-          <a:fontRef idx="minor"/>
-        </p:style>
-        <p:txBody>
-          <a:bodyPr lIns="90000" rIns="90000" tIns="45000" bIns="45000" anchor="ctr">
-            <a:noAutofit/>
-          </a:bodyPr>
-          <a:p>
-            <a:pPr>
-              <a:lnSpc>
-                <a:spcPct val="100000"/>
-              </a:lnSpc>
-            </a:pPr>
-            <a:endParaRPr b="0" lang="en-IL" sz="2400" spc="-1" strike="noStrike">
-              <a:solidFill>
-                <a:srgbClr val="000000"/>
-              </a:solidFill>
-              <a:latin typeface="Arial"/>
-            </a:endParaRPr>
-          </a:p>
-        </p:txBody>
-      </p:sp>
-      <p:sp>
-        <p:nvSpPr>
-          <p:cNvPr id="137" name=""/>
-          <p:cNvSpPr/>
-          <p:nvPr/>
-        </p:nvSpPr>
-        <p:spPr>
-          <a:xfrm>
-            <a:off x="1620000" y="360000"/>
-            <a:ext cx="6263640" cy="4679640"/>
-          </a:xfrm>
-          <a:prstGeom prst="rect">
-            <a:avLst/>
-          </a:prstGeom>
-          <a:noFill/>
-          <a:ln w="36000">
-            <a:solidFill>
-              <a:srgbClr val="bf0041"/>
-            </a:solidFill>
-            <a:round/>
-          </a:ln>
-        </p:spPr>
-        <p:style>
-          <a:lnRef idx="0"/>
-          <a:fillRef idx="0"/>
-          <a:effectRef idx="0"/>
-          <a:fontRef idx="minor"/>
-        </p:style>
-        <p:txBody>
-          <a:bodyPr lIns="90000" rIns="90000" tIns="45000" bIns="45000" anchor="ctr">
-            <a:noAutofit/>
-          </a:bodyPr>
-          <a:p>
-            <a:pPr>
-              <a:lnSpc>
-                <a:spcPct val="100000"/>
-              </a:lnSpc>
-            </a:pPr>
-            <a:endParaRPr b="0" lang="en-IL" sz="2400" spc="-1" strike="noStrike">
-              <a:solidFill>
-                <a:srgbClr val="000000"/>
-              </a:solidFill>
-              <a:latin typeface="Arial"/>
-            </a:endParaRPr>
-          </a:p>
-        </p:txBody>
-      </p:sp>
-      <p:sp>
-        <p:nvSpPr>
-          <p:cNvPr id="138" name=""/>
-          <p:cNvSpPr/>
-          <p:nvPr/>
-        </p:nvSpPr>
-        <p:spPr>
-          <a:xfrm>
-            <a:off x="1620000" y="0"/>
-            <a:ext cx="539640" cy="356760"/>
-          </a:xfrm>
-          <a:prstGeom prst="rect">
-            <a:avLst/>
-          </a:prstGeom>
-          <a:noFill/>
-          <a:ln w="36000">
-            <a:solidFill>
-              <a:srgbClr val="bf0041"/>
-            </a:solidFill>
-            <a:round/>
-          </a:ln>
-        </p:spPr>
-        <p:style>
-          <a:lnRef idx="0"/>
-          <a:fillRef idx="0"/>
-          <a:effectRef idx="0"/>
-          <a:fontRef idx="minor"/>
-        </p:style>
-        <p:txBody>
-          <a:bodyPr lIns="90000" rIns="90000" tIns="45000" bIns="45000" anchor="ctr">
-            <a:noAutofit/>
-          </a:bodyPr>
-          <a:p>
-            <a:pPr>
-              <a:lnSpc>
-                <a:spcPct val="100000"/>
-              </a:lnSpc>
-            </a:pPr>
-            <a:endParaRPr b="0" lang="en-IL" sz="2400" spc="-1" strike="noStrike">
-              <a:solidFill>
-                <a:srgbClr val="000000"/>
-              </a:solidFill>
-              <a:latin typeface="Arial"/>
-            </a:endParaRPr>
-          </a:p>
-        </p:txBody>
-      </p:sp>
-      <p:sp>
-        <p:nvSpPr>
-          <p:cNvPr id="139" name=""/>
-          <p:cNvSpPr/>
-          <p:nvPr/>
-        </p:nvSpPr>
-        <p:spPr>
-          <a:xfrm>
-            <a:off x="1620000" y="900000"/>
-            <a:ext cx="1799640" cy="356760"/>
-          </a:xfrm>
-          <a:prstGeom prst="rect">
-            <a:avLst/>
-          </a:prstGeom>
-          <a:noFill/>
-          <a:ln w="36000">
-            <a:solidFill>
-              <a:srgbClr val="bf0041"/>
-            </a:solidFill>
-            <a:round/>
-          </a:ln>
-        </p:spPr>
-        <p:style>
-          <a:lnRef idx="0"/>
-          <a:fillRef idx="0"/>
-          <a:effectRef idx="0"/>
-          <a:fontRef idx="minor"/>
-        </p:style>
-        <p:txBody>
-          <a:bodyPr lIns="90000" rIns="90000" tIns="45000" bIns="45000" anchor="ctr">
-            <a:noAutofit/>
-          </a:bodyPr>
-          <a:p>
-            <a:pPr>
-              <a:lnSpc>
-                <a:spcPct val="100000"/>
-              </a:lnSpc>
-            </a:pPr>
-            <a:endParaRPr b="0" lang="en-IL" sz="2400" spc="-1" strike="noStrike">
-              <a:solidFill>
-                <a:srgbClr val="000000"/>
-              </a:solidFill>
-              <a:latin typeface="Arial"/>
-            </a:endParaRPr>
-          </a:p>
-        </p:txBody>
-      </p:sp>
-      <p:sp>
-        <p:nvSpPr>
-          <p:cNvPr id="140" name=""/>
-          <p:cNvSpPr/>
-          <p:nvPr/>
-        </p:nvSpPr>
-        <p:spPr>
-          <a:xfrm flipV="1">
-            <a:off x="2160000" y="1080000"/>
-            <a:ext cx="360000" cy="540000"/>
-          </a:xfrm>
-          <a:prstGeom prst="line">
-            <a:avLst/>
-          </a:prstGeom>
-          <a:ln w="36000">
-            <a:solidFill>
-              <a:srgbClr val="bf0041"/>
-            </a:solidFill>
-            <a:round/>
-            <a:tailEnd len="med" type="triangle" w="med"/>
-          </a:ln>
-        </p:spPr>
-        <p:style>
-          <a:lnRef idx="0"/>
-          <a:fillRef idx="0"/>
-          <a:effectRef idx="0"/>
-          <a:fontRef idx="minor"/>
-        </p:style>
-        <p:txBody>
-          <a:bodyPr lIns="90000" rIns="90000" tIns="45000" bIns="45000" anchor="ctr">
-            <a:noAutofit/>
-          </a:bodyPr>
-          <a:p>
-            <a:endParaRPr b="0" lang="en-IL" sz="2400" spc="-1" strike="noStrike">
-              <a:solidFill>
-                <a:srgbClr val="000000"/>
-              </a:solidFill>
-              <a:latin typeface="Arial"/>
-            </a:endParaRPr>
-          </a:p>
-        </p:txBody>
-      </p:sp>
-      <p:sp>
-        <p:nvSpPr>
-          <p:cNvPr id="141" name=""/>
-          <p:cNvSpPr/>
-          <p:nvPr/>
-        </p:nvSpPr>
-        <p:spPr>
-          <a:xfrm flipV="1">
-            <a:off x="2156400" y="1080000"/>
-            <a:ext cx="723600" cy="532800"/>
-          </a:xfrm>
-          <a:prstGeom prst="line">
-            <a:avLst/>
-          </a:prstGeom>
-          <a:ln w="36000">
-            <a:solidFill>
-              <a:srgbClr val="bf0041"/>
-            </a:solidFill>
-            <a:round/>
-            <a:tailEnd len="med" type="triangle" w="med"/>
-          </a:ln>
-        </p:spPr>
-        <p:style>
-          <a:lnRef idx="0"/>
-          <a:fillRef idx="0"/>
-          <a:effectRef idx="0"/>
-          <a:fontRef idx="minor"/>
-        </p:style>
-        <p:txBody>
-          <a:bodyPr lIns="90000" rIns="90000" tIns="45000" bIns="45000" anchor="ctr">
-            <a:noAutofit/>
-          </a:bodyPr>
-          <a:p>
-            <a:endParaRPr b="0" lang="en-IL" sz="2400" spc="-1" strike="noStrike">
-              <a:solidFill>
-                <a:srgbClr val="000000"/>
+                <a:srgbClr val="bf0041"/>
               </a:solidFill>
               <a:latin typeface="Arial"/>
             </a:endParaRPr>
@@ -5726,32 +5702,9 @@
           <a:chExt cx="0" cy="0"/>
         </a:xfrm>
       </p:grpSpPr>
-      <p:pic>
-        <p:nvPicPr>
-          <p:cNvPr id="142" name="" descr=""/>
-          <p:cNvPicPr/>
-          <p:nvPr/>
-        </p:nvPicPr>
-        <p:blipFill>
-          <a:blip r:embed="rId1"/>
-          <a:stretch/>
-        </p:blipFill>
-        <p:spPr>
-          <a:xfrm>
-            <a:off x="85680" y="12600"/>
-            <a:ext cx="9022680" cy="5142960"/>
-          </a:xfrm>
-          <a:prstGeom prst="rect">
-            <a:avLst/>
-          </a:prstGeom>
-          <a:ln w="36000">
-            <a:noFill/>
-          </a:ln>
-        </p:spPr>
-      </p:pic>
-      <p:sp>
-        <p:nvSpPr>
-          <p:cNvPr id="143" name="PlaceHolder 1"/>
+      <p:sp>
+        <p:nvSpPr>
+          <p:cNvPr id="121" name="PlaceHolder 1"/>
           <p:cNvSpPr>
             <a:spLocks noGrp="1"/>
           </p:cNvSpPr>
@@ -5761,23 +5714,23 @@
         </p:nvSpPr>
         <p:spPr>
           <a:xfrm>
-            <a:off x="0" y="540000"/>
-            <a:ext cx="1619640" cy="1259640"/>
-          </a:xfrm>
-          <a:prstGeom prst="rect">
-            <a:avLst/>
-          </a:prstGeom>
-          <a:noFill/>
-          <a:ln w="0">
-            <a:noFill/>
-          </a:ln>
-        </p:spPr>
-        <p:txBody>
-          <a:bodyPr lIns="91440" rIns="91440" tIns="91440" bIns="91440" anchor="b">
-            <a:normAutofit fontScale="96666"/>
-          </a:bodyPr>
-          <a:p>
-            <a:pPr indent="0">
+            <a:off x="153720" y="1729800"/>
+            <a:ext cx="8519040" cy="840240"/>
+          </a:xfrm>
+          <a:prstGeom prst="rect">
+            <a:avLst/>
+          </a:prstGeom>
+          <a:noFill/>
+          <a:ln w="0">
+            <a:noFill/>
+          </a:ln>
+        </p:spPr>
+        <p:txBody>
+          <a:bodyPr lIns="91440" rIns="91440" tIns="91440" bIns="91440" anchor="ctr">
+            <a:noAutofit/>
+          </a:bodyPr>
+          <a:p>
+            <a:pPr indent="0" algn="ctr">
               <a:lnSpc>
                 <a:spcPct val="100000"/>
               </a:lnSpc>
@@ -5787,110 +5740,16 @@
               </a:tabLst>
             </a:pPr>
             <a:r>
-              <a:rPr b="0" lang="en-IL" sz="3600" spc="-1" strike="noStrike">
+              <a:rPr b="0" lang="en-US" sz="6000" spc="-1" strike="noStrike">
                 <a:solidFill>
                   <a:schemeClr val="dk1"/>
                 </a:solidFill>
                 <a:latin typeface="Arial"/>
                 <a:ea typeface="Arial"/>
               </a:rPr>
-              <a:t>Profile page</a:t>
+              <a:t>Main Flows</a:t>
             </a:r>
-            <a:endParaRPr b="0" lang="en-IL" sz="3600" spc="-1" strike="noStrike">
-              <a:solidFill>
-                <a:srgbClr val="000000"/>
-              </a:solidFill>
-              <a:latin typeface="Arial"/>
-            </a:endParaRPr>
-          </a:p>
-        </p:txBody>
-      </p:sp>
-      <p:sp>
-        <p:nvSpPr>
-          <p:cNvPr id="144" name=""/>
-          <p:cNvSpPr/>
-          <p:nvPr/>
-        </p:nvSpPr>
-        <p:spPr>
-          <a:xfrm>
-            <a:off x="1260000" y="1260000"/>
-            <a:ext cx="5579640" cy="3779640"/>
-          </a:xfrm>
-          <a:prstGeom prst="rect">
-            <a:avLst/>
-          </a:prstGeom>
-          <a:noFill/>
-          <a:ln w="36000">
-            <a:solidFill>
-              <a:srgbClr val="bf0041"/>
-            </a:solidFill>
-            <a:round/>
-          </a:ln>
-        </p:spPr>
-        <p:style>
-          <a:lnRef idx="0"/>
-          <a:fillRef idx="0"/>
-          <a:effectRef idx="0"/>
-          <a:fontRef idx="minor"/>
-        </p:style>
-        <p:txBody>
-          <a:bodyPr lIns="90000" rIns="90000" tIns="45000" bIns="45000" anchor="ctr">
-            <a:noAutofit/>
-          </a:bodyPr>
-          <a:p>
-            <a:pPr>
-              <a:lnSpc>
-                <a:spcPct val="100000"/>
-              </a:lnSpc>
-            </a:pPr>
-            <a:endParaRPr b="0" lang="en-IL" sz="2400" spc="-1" strike="noStrike">
-              <a:solidFill>
-                <a:srgbClr val="000000"/>
-              </a:solidFill>
-              <a:latin typeface="Arial"/>
-            </a:endParaRPr>
-          </a:p>
-        </p:txBody>
-      </p:sp>
-      <p:sp>
-        <p:nvSpPr>
-          <p:cNvPr id="145" name=""/>
-          <p:cNvSpPr/>
-          <p:nvPr/>
-        </p:nvSpPr>
-        <p:spPr>
-          <a:xfrm>
-            <a:off x="249840" y="180000"/>
-            <a:ext cx="1979640" cy="359640"/>
-          </a:xfrm>
-          <a:prstGeom prst="rect">
-            <a:avLst/>
-          </a:prstGeom>
-          <a:noFill/>
-          <a:ln w="36000">
-            <a:solidFill>
-              <a:srgbClr val="bf0041"/>
-            </a:solidFill>
-            <a:round/>
-          </a:ln>
-        </p:spPr>
-        <p:style>
-          <a:lnRef idx="0"/>
-          <a:fillRef idx="0"/>
-          <a:effectRef idx="0"/>
-          <a:fontRef idx="minor"/>
-        </p:style>
-        <p:txBody>
-          <a:bodyPr lIns="90000" rIns="90000" tIns="45000" bIns="45000" anchor="ctr">
-            <a:noAutofit/>
-          </a:bodyPr>
-          <a:p>
-            <a:pPr>
-              <a:lnSpc>
-                <a:spcPct val="100000"/>
-              </a:lnSpc>
-            </a:pPr>
-            <a:endParaRPr b="0" lang="en-IL" sz="2400" spc="-1" strike="noStrike">
+            <a:endParaRPr b="0" lang="en-IL" sz="6000" spc="-1" strike="noStrike">
               <a:solidFill>
                 <a:srgbClr val="000000"/>
               </a:solidFill>
@@ -5929,32 +5788,9 @@
           <a:chExt cx="0" cy="0"/>
         </a:xfrm>
       </p:grpSpPr>
-      <p:pic>
-        <p:nvPicPr>
-          <p:cNvPr id="146" name="" descr=""/>
-          <p:cNvPicPr/>
-          <p:nvPr/>
-        </p:nvPicPr>
-        <p:blipFill>
-          <a:blip r:embed="rId1"/>
-          <a:stretch/>
-        </p:blipFill>
-        <p:spPr>
-          <a:xfrm>
-            <a:off x="360" y="0"/>
-            <a:ext cx="9143280" cy="2918160"/>
-          </a:xfrm>
-          <a:prstGeom prst="rect">
-            <a:avLst/>
-          </a:prstGeom>
-          <a:ln w="36000">
-            <a:noFill/>
-          </a:ln>
-        </p:spPr>
-      </p:pic>
-      <p:sp>
-        <p:nvSpPr>
-          <p:cNvPr id="147" name="PlaceHolder 1"/>
+      <p:sp>
+        <p:nvSpPr>
+          <p:cNvPr id="122" name="PlaceHolder 1"/>
           <p:cNvSpPr>
             <a:spLocks noGrp="1"/>
           </p:cNvSpPr>
@@ -5964,8 +5800,8 @@
         </p:nvSpPr>
         <p:spPr>
           <a:xfrm>
-            <a:off x="0" y="2520000"/>
-            <a:ext cx="1619640" cy="1259640"/>
+            <a:off x="153720" y="393840"/>
+            <a:ext cx="8519040" cy="291240"/>
           </a:xfrm>
           <a:prstGeom prst="rect">
             <a:avLst/>
@@ -5977,7 +5813,7 @@
         </p:spPr>
         <p:txBody>
           <a:bodyPr lIns="91440" rIns="91440" tIns="91440" bIns="91440" anchor="b">
-            <a:normAutofit fontScale="96666"/>
+            <a:noAutofit/>
           </a:bodyPr>
           <a:p>
             <a:pPr indent="0">
@@ -5990,14 +5826,14 @@
               </a:tabLst>
             </a:pPr>
             <a:r>
-              <a:rPr b="0" lang="en-IL" sz="3600" spc="-1" strike="noStrike">
+              <a:rPr b="0" lang="en-US" sz="3600" spc="-1" strike="noStrike">
                 <a:solidFill>
                   <a:schemeClr val="dk1"/>
                 </a:solidFill>
                 <a:latin typeface="Arial"/>
                 <a:ea typeface="Arial"/>
               </a:rPr>
-              <a:t>Profile page</a:t>
+              <a:t>Flow</a:t>
             </a:r>
             <a:endParaRPr b="0" lang="en-IL" sz="3600" spc="-1" strike="noStrike">
               <a:solidFill>
@@ -6010,30 +5846,40 @@
       </p:sp>
       <p:sp>
         <p:nvSpPr>
-          <p:cNvPr id="148" name=""/>
+          <p:cNvPr id="123" name="Rectangle 1"/>
           <p:cNvSpPr/>
           <p:nvPr/>
         </p:nvSpPr>
         <p:spPr>
           <a:xfrm>
-            <a:off x="180000" y="540000"/>
-            <a:ext cx="8819640" cy="1619640"/>
-          </a:xfrm>
-          <a:prstGeom prst="rect">
-            <a:avLst/>
-          </a:prstGeom>
-          <a:noFill/>
-          <a:ln w="36000">
+            <a:off x="612000" y="955800"/>
+            <a:ext cx="1889280" cy="1352160"/>
+          </a:xfrm>
+          <a:prstGeom prst="rect">
+            <a:avLst/>
+          </a:prstGeom>
+          <a:solidFill>
+            <a:srgbClr val="4285f4"/>
+          </a:solidFill>
+          <a:ln>
             <a:solidFill>
-              <a:srgbClr val="bf0041"/>
+              <a:srgbClr val="3062b4"/>
             </a:solidFill>
             <a:round/>
           </a:ln>
         </p:spPr>
         <p:style>
-          <a:lnRef idx="0"/>
-          <a:fillRef idx="0"/>
-          <a:effectRef idx="0"/>
+          <a:lnRef idx="2">
+            <a:schemeClr val="accent1">
+              <a:shade val="50000"/>
+            </a:schemeClr>
+          </a:lnRef>
+          <a:fillRef idx="1">
+            <a:schemeClr val="accent1"/>
+          </a:fillRef>
+          <a:effectRef idx="0">
+            <a:schemeClr val="accent1"/>
+          </a:effectRef>
           <a:fontRef idx="minor"/>
         </p:style>
         <p:txBody>
@@ -6041,46 +5887,65 @@
             <a:noAutofit/>
           </a:bodyPr>
           <a:p>
-            <a:pPr>
+            <a:pPr algn="ctr">
               <a:lnSpc>
                 <a:spcPct val="100000"/>
               </a:lnSpc>
             </a:pPr>
-            <a:endParaRPr b="0" lang="en-IL" sz="2400" spc="-1" strike="noStrike">
-              <a:solidFill>
-                <a:srgbClr val="000000"/>
-              </a:solidFill>
-              <a:latin typeface="Arial"/>
-            </a:endParaRPr>
-          </a:p>
-        </p:txBody>
-      </p:sp>
-      <p:sp>
-        <p:nvSpPr>
-          <p:cNvPr id="149" name=""/>
+            <a:r>
+              <a:rPr b="0" lang="en-US" sz="1400" spc="-1" strike="noStrike">
+                <a:solidFill>
+                  <a:schemeClr val="lt1"/>
+                </a:solidFill>
+                <a:latin typeface="Arial"/>
+              </a:rPr>
+              <a:t>Homepage + Authentication</a:t>
+            </a:r>
+            <a:endParaRPr b="0" lang="en-IL" sz="1400" spc="-1" strike="noStrike">
+              <a:solidFill>
+                <a:srgbClr val="bf0041"/>
+              </a:solidFill>
+              <a:latin typeface="Arial"/>
+            </a:endParaRPr>
+          </a:p>
+        </p:txBody>
+      </p:sp>
+      <p:sp>
+        <p:nvSpPr>
+          <p:cNvPr id="124" name="Rectangle 3"/>
           <p:cNvSpPr/>
           <p:nvPr/>
         </p:nvSpPr>
         <p:spPr>
           <a:xfrm>
-            <a:off x="180000" y="180000"/>
-            <a:ext cx="2049480" cy="359640"/>
-          </a:xfrm>
-          <a:prstGeom prst="rect">
-            <a:avLst/>
-          </a:prstGeom>
-          <a:noFill/>
-          <a:ln w="36000">
+            <a:off x="3626640" y="955800"/>
+            <a:ext cx="1889280" cy="1352160"/>
+          </a:xfrm>
+          <a:prstGeom prst="rect">
+            <a:avLst/>
+          </a:prstGeom>
+          <a:solidFill>
+            <a:srgbClr val="4285f4"/>
+          </a:solidFill>
+          <a:ln>
             <a:solidFill>
-              <a:srgbClr val="bf0041"/>
+              <a:srgbClr val="3062b4"/>
             </a:solidFill>
             <a:round/>
           </a:ln>
         </p:spPr>
         <p:style>
-          <a:lnRef idx="0"/>
-          <a:fillRef idx="0"/>
-          <a:effectRef idx="0"/>
+          <a:lnRef idx="2">
+            <a:schemeClr val="accent1">
+              <a:shade val="50000"/>
+            </a:schemeClr>
+          </a:lnRef>
+          <a:fillRef idx="1">
+            <a:schemeClr val="accent1"/>
+          </a:fillRef>
+          <a:effectRef idx="0">
+            <a:schemeClr val="accent1"/>
+          </a:effectRef>
           <a:fontRef idx="minor"/>
         </p:style>
         <p:txBody>
@@ -6088,20 +5953,230 @@
             <a:noAutofit/>
           </a:bodyPr>
           <a:p>
-            <a:pPr>
+            <a:pPr algn="ctr">
               <a:lnSpc>
                 <a:spcPct val="100000"/>
               </a:lnSpc>
             </a:pPr>
-            <a:endParaRPr b="0" lang="en-IL" sz="2400" spc="-1" strike="noStrike">
-              <a:solidFill>
-                <a:srgbClr val="000000"/>
-              </a:solidFill>
-              <a:latin typeface="Arial"/>
-            </a:endParaRPr>
-          </a:p>
-        </p:txBody>
-      </p:sp>
+            <a:r>
+              <a:rPr b="0" lang="en-US" sz="1400" spc="-1" strike="noStrike">
+                <a:solidFill>
+                  <a:schemeClr val="lt1"/>
+                </a:solidFill>
+                <a:latin typeface="Arial"/>
+              </a:rPr>
+              <a:t>Boards page</a:t>
+            </a:r>
+            <a:endParaRPr b="0" lang="en-IL" sz="1400" spc="-1" strike="noStrike">
+              <a:solidFill>
+                <a:srgbClr val="bf0041"/>
+              </a:solidFill>
+              <a:latin typeface="Arial"/>
+            </a:endParaRPr>
+          </a:p>
+        </p:txBody>
+      </p:sp>
+      <p:sp>
+        <p:nvSpPr>
+          <p:cNvPr id="125" name="Rectangle 5"/>
+          <p:cNvSpPr/>
+          <p:nvPr/>
+        </p:nvSpPr>
+        <p:spPr>
+          <a:xfrm>
+            <a:off x="6366600" y="2247120"/>
+            <a:ext cx="1889280" cy="1352160"/>
+          </a:xfrm>
+          <a:prstGeom prst="rect">
+            <a:avLst/>
+          </a:prstGeom>
+          <a:solidFill>
+            <a:srgbClr val="4285f4"/>
+          </a:solidFill>
+          <a:ln>
+            <a:solidFill>
+              <a:srgbClr val="3062b4"/>
+            </a:solidFill>
+            <a:round/>
+          </a:ln>
+        </p:spPr>
+        <p:style>
+          <a:lnRef idx="2">
+            <a:schemeClr val="accent1">
+              <a:shade val="50000"/>
+            </a:schemeClr>
+          </a:lnRef>
+          <a:fillRef idx="1">
+            <a:schemeClr val="accent1"/>
+          </a:fillRef>
+          <a:effectRef idx="0">
+            <a:schemeClr val="accent1"/>
+          </a:effectRef>
+          <a:fontRef idx="minor"/>
+        </p:style>
+        <p:txBody>
+          <a:bodyPr lIns="90000" rIns="90000" tIns="45000" bIns="45000" anchor="ctr">
+            <a:noAutofit/>
+          </a:bodyPr>
+          <a:p>
+            <a:pPr algn="ctr">
+              <a:lnSpc>
+                <a:spcPct val="100000"/>
+              </a:lnSpc>
+            </a:pPr>
+            <a:r>
+              <a:rPr b="0" lang="en-US" sz="1400" spc="-1" strike="noStrike">
+                <a:solidFill>
+                  <a:schemeClr val="lt1"/>
+                </a:solidFill>
+                <a:latin typeface="Arial"/>
+              </a:rPr>
+              <a:t>Board</a:t>
+            </a:r>
+            <a:endParaRPr b="0" lang="en-IL" sz="1400" spc="-1" strike="noStrike">
+              <a:solidFill>
+                <a:srgbClr val="bf0041"/>
+              </a:solidFill>
+              <a:latin typeface="Arial"/>
+            </a:endParaRPr>
+          </a:p>
+        </p:txBody>
+      </p:sp>
+      <p:sp>
+        <p:nvSpPr>
+          <p:cNvPr id="126" name="Rectangle 7"/>
+          <p:cNvSpPr/>
+          <p:nvPr/>
+        </p:nvSpPr>
+        <p:spPr>
+          <a:xfrm>
+            <a:off x="3626640" y="3571560"/>
+            <a:ext cx="1889280" cy="1352160"/>
+          </a:xfrm>
+          <a:prstGeom prst="rect">
+            <a:avLst/>
+          </a:prstGeom>
+          <a:solidFill>
+            <a:srgbClr val="4285f4"/>
+          </a:solidFill>
+          <a:ln>
+            <a:solidFill>
+              <a:srgbClr val="3062b4"/>
+            </a:solidFill>
+            <a:round/>
+          </a:ln>
+        </p:spPr>
+        <p:style>
+          <a:lnRef idx="2">
+            <a:schemeClr val="accent1">
+              <a:shade val="50000"/>
+            </a:schemeClr>
+          </a:lnRef>
+          <a:fillRef idx="1">
+            <a:schemeClr val="accent1"/>
+          </a:fillRef>
+          <a:effectRef idx="0">
+            <a:schemeClr val="accent1"/>
+          </a:effectRef>
+          <a:fontRef idx="minor"/>
+        </p:style>
+        <p:txBody>
+          <a:bodyPr lIns="90000" rIns="90000" tIns="45000" bIns="45000" anchor="ctr">
+            <a:noAutofit/>
+          </a:bodyPr>
+          <a:p>
+            <a:pPr algn="ctr">
+              <a:lnSpc>
+                <a:spcPct val="100000"/>
+              </a:lnSpc>
+            </a:pPr>
+            <a:r>
+              <a:rPr b="0" lang="en-US" sz="1400" spc="-1" strike="noStrike">
+                <a:solidFill>
+                  <a:schemeClr val="lt1"/>
+                </a:solidFill>
+                <a:latin typeface="Arial"/>
+              </a:rPr>
+              <a:t>Task (card)</a:t>
+            </a:r>
+            <a:endParaRPr b="0" lang="en-IL" sz="1400" spc="-1" strike="noStrike">
+              <a:solidFill>
+                <a:srgbClr val="bf0041"/>
+              </a:solidFill>
+              <a:latin typeface="Arial"/>
+            </a:endParaRPr>
+          </a:p>
+        </p:txBody>
+      </p:sp>
+      <p:cxnSp>
+        <p:nvCxnSpPr>
+          <p:cNvPr id="127" name="Straight Arrow Connector 11"/>
+          <p:cNvCxnSpPr/>
+          <p:nvPr/>
+        </p:nvCxnSpPr>
+        <p:spPr>
+          <a:xfrm>
+            <a:off x="2581560" y="1632240"/>
+            <a:ext cx="974160" cy="1440"/>
+          </a:xfrm>
+          <a:prstGeom prst="straightConnector1">
+            <a:avLst/>
+          </a:prstGeom>
+          <a:ln w="57150">
+            <a:solidFill>
+              <a:srgbClr val="3c81f2"/>
+            </a:solidFill>
+            <a:round/>
+            <a:tailEnd len="med" type="triangle" w="med"/>
+          </a:ln>
+        </p:spPr>
+      </p:cxnSp>
+      <p:cxnSp>
+        <p:nvCxnSpPr>
+          <p:cNvPr id="128" name="Straight Arrow Connector 12"/>
+          <p:cNvCxnSpPr/>
+          <p:nvPr/>
+        </p:nvCxnSpPr>
+        <p:spPr>
+          <a:xfrm>
+            <a:off x="5592960" y="1634760"/>
+            <a:ext cx="1049760" cy="489240"/>
+          </a:xfrm>
+          <a:prstGeom prst="straightConnector1">
+            <a:avLst/>
+          </a:prstGeom>
+          <a:ln w="57150">
+            <a:solidFill>
+              <a:srgbClr val="3c81f2"/>
+            </a:solidFill>
+            <a:round/>
+            <a:tailEnd len="med" type="triangle" w="med"/>
+          </a:ln>
+        </p:spPr>
+      </p:cxnSp>
+      <p:cxnSp>
+        <p:nvCxnSpPr>
+          <p:cNvPr id="129" name="Straight Arrow Connector 14"/>
+          <p:cNvCxnSpPr/>
+          <p:nvPr/>
+        </p:nvCxnSpPr>
+        <p:spPr>
+          <a:xfrm flipH="1">
+            <a:off x="5589360" y="3724920"/>
+            <a:ext cx="1046520" cy="515520"/>
+          </a:xfrm>
+          <a:prstGeom prst="straightConnector1">
+            <a:avLst/>
+          </a:prstGeom>
+          <a:ln w="57150">
+            <a:solidFill>
+              <a:srgbClr val="3c81f2"/>
+            </a:solidFill>
+            <a:round/>
+            <a:tailEnd len="med" type="triangle" w="med"/>
+          </a:ln>
+        </p:spPr>
+      </p:cxnSp>
     </p:spTree>
   </p:cSld>
   <mc:AlternateContent>
@@ -6134,7 +6209,7 @@
       </p:grpSpPr>
       <p:sp>
         <p:nvSpPr>
-          <p:cNvPr id="150" name="PlaceHolder 1"/>
+          <p:cNvPr id="130" name="PlaceHolder 1"/>
           <p:cNvSpPr>
             <a:spLocks noGrp="1"/>
           </p:cNvSpPr>
@@ -6144,19 +6219,19 @@
         </p:nvSpPr>
         <p:spPr>
           <a:xfrm>
-            <a:off x="153720" y="1729800"/>
-            <a:ext cx="8519760" cy="840960"/>
-          </a:xfrm>
-          <a:prstGeom prst="rect">
-            <a:avLst/>
-          </a:prstGeom>
-          <a:noFill/>
-          <a:ln w="0">
-            <a:noFill/>
-          </a:ln>
-        </p:spPr>
-        <p:txBody>
-          <a:bodyPr lIns="91440" rIns="91440" tIns="91440" bIns="91440" anchor="ctr">
+            <a:off x="360000" y="108000"/>
+            <a:ext cx="8519040" cy="1331280"/>
+          </a:xfrm>
+          <a:prstGeom prst="rect">
+            <a:avLst/>
+          </a:prstGeom>
+          <a:noFill/>
+          <a:ln w="0">
+            <a:noFill/>
+          </a:ln>
+        </p:spPr>
+        <p:txBody>
+          <a:bodyPr lIns="0" rIns="0" tIns="0" bIns="0" anchor="ctr">
             <a:noAutofit/>
           </a:bodyPr>
           <a:p>
@@ -6170,16 +6245,185 @@
               </a:tabLst>
             </a:pPr>
             <a:r>
-              <a:rPr b="0" lang="en-US" sz="6000" spc="-1" strike="noStrike">
+              <a:rPr b="0" lang="en-IL" sz="4400" spc="-1" strike="noStrike">
                 <a:solidFill>
-                  <a:schemeClr val="dk1"/>
+                  <a:srgbClr val="000000"/>
                 </a:solidFill>
                 <a:latin typeface="Arial"/>
-                <a:ea typeface="Arial"/>
               </a:rPr>
-              <a:t>Entities</a:t>
+              <a:t>Add board</a:t>
             </a:r>
-            <a:endParaRPr b="0" lang="en-IL" sz="6000" spc="-1" strike="noStrike">
+            <a:endParaRPr b="0" lang="en-IL" sz="4400" spc="-1" strike="noStrike">
+              <a:solidFill>
+                <a:srgbClr val="000000"/>
+              </a:solidFill>
+              <a:latin typeface="Arial"/>
+            </a:endParaRPr>
+          </a:p>
+        </p:txBody>
+      </p:sp>
+      <p:sp>
+        <p:nvSpPr>
+          <p:cNvPr id="131" name="PlaceHolder 2"/>
+          <p:cNvSpPr>
+            <a:spLocks noGrp="1"/>
+          </p:cNvSpPr>
+          <p:nvPr>
+            <p:ph/>
+          </p:nvPr>
+        </p:nvSpPr>
+        <p:spPr>
+          <a:xfrm>
+            <a:off x="360000" y="1800000"/>
+            <a:ext cx="8228520" cy="2339280"/>
+          </a:xfrm>
+          <a:prstGeom prst="rect">
+            <a:avLst/>
+          </a:prstGeom>
+          <a:noFill/>
+          <a:ln w="0">
+            <a:noFill/>
+          </a:ln>
+        </p:spPr>
+        <p:txBody>
+          <a:bodyPr lIns="0" rIns="0" tIns="0" bIns="0" anchor="t">
+            <a:normAutofit/>
+          </a:bodyPr>
+          <a:p>
+            <a:pPr indent="0">
+              <a:lnSpc>
+                <a:spcPct val="100000"/>
+              </a:lnSpc>
+              <a:buNone/>
+              <a:tabLst>
+                <a:tab algn="l" pos="0"/>
+              </a:tabLst>
+            </a:pPr>
+            <a:endParaRPr b="0" lang="en-IL" sz="1800" spc="-1" strike="noStrike">
+              <a:solidFill>
+                <a:srgbClr val="000000"/>
+              </a:solidFill>
+              <a:latin typeface="Arial"/>
+            </a:endParaRPr>
+          </a:p>
+          <a:p>
+            <a:pPr marL="432000" indent="-216000">
+              <a:lnSpc>
+                <a:spcPct val="100000"/>
+              </a:lnSpc>
+              <a:buClr>
+                <a:srgbClr val="000000"/>
+              </a:buClr>
+              <a:buFont typeface="OpenSymbol"/>
+              <a:buAutoNum type="arabicPlain"/>
+              <a:tabLst>
+                <a:tab algn="l" pos="0"/>
+              </a:tabLst>
+            </a:pPr>
+            <a:r>
+              <a:rPr b="0" lang="en-IL" sz="1800" spc="-1" strike="noStrike">
+                <a:solidFill>
+                  <a:srgbClr val="000000"/>
+                </a:solidFill>
+                <a:latin typeface="Arial"/>
+              </a:rPr>
+              <a:t>From the boards page click create</a:t>
+            </a:r>
+            <a:endParaRPr b="0" lang="en-IL" sz="1800" spc="-1" strike="noStrike">
+              <a:solidFill>
+                <a:srgbClr val="000000"/>
+              </a:solidFill>
+              <a:latin typeface="Arial"/>
+            </a:endParaRPr>
+          </a:p>
+          <a:p>
+            <a:pPr marL="432000" indent="-216000">
+              <a:lnSpc>
+                <a:spcPct val="100000"/>
+              </a:lnSpc>
+              <a:buClr>
+                <a:srgbClr val="000000"/>
+              </a:buClr>
+              <a:buFont typeface="OpenSymbol"/>
+              <a:buAutoNum type="arabicPlain"/>
+              <a:tabLst>
+                <a:tab algn="l" pos="0"/>
+              </a:tabLst>
+            </a:pPr>
+            <a:r>
+              <a:rPr b="0" lang="en-IL" sz="1800" spc="-1" strike="noStrike">
+                <a:solidFill>
+                  <a:srgbClr val="000000"/>
+                </a:solidFill>
+                <a:latin typeface="Arial"/>
+              </a:rPr>
+              <a:t>Enter name, visibility, background image</a:t>
+            </a:r>
+            <a:endParaRPr b="0" lang="en-IL" sz="1800" spc="-1" strike="noStrike">
+              <a:solidFill>
+                <a:srgbClr val="000000"/>
+              </a:solidFill>
+              <a:latin typeface="Arial"/>
+            </a:endParaRPr>
+          </a:p>
+          <a:p>
+            <a:pPr marL="432000" indent="-216000">
+              <a:lnSpc>
+                <a:spcPct val="100000"/>
+              </a:lnSpc>
+              <a:buClr>
+                <a:srgbClr val="000000"/>
+              </a:buClr>
+              <a:buFont typeface="OpenSymbol"/>
+              <a:buAutoNum type="arabicPlain"/>
+              <a:tabLst>
+                <a:tab algn="l" pos="0"/>
+              </a:tabLst>
+            </a:pPr>
+            <a:r>
+              <a:rPr b="0" lang="en-IL" sz="1800" spc="-1" strike="noStrike">
+                <a:solidFill>
+                  <a:srgbClr val="000000"/>
+                </a:solidFill>
+                <a:latin typeface="Arial"/>
+              </a:rPr>
+              <a:t>Click create</a:t>
+            </a:r>
+            <a:endParaRPr b="0" lang="en-IL" sz="1800" spc="-1" strike="noStrike">
+              <a:solidFill>
+                <a:srgbClr val="000000"/>
+              </a:solidFill>
+              <a:latin typeface="Arial"/>
+            </a:endParaRPr>
+          </a:p>
+          <a:p>
+            <a:pPr indent="0">
+              <a:lnSpc>
+                <a:spcPct val="100000"/>
+              </a:lnSpc>
+              <a:buNone/>
+              <a:tabLst>
+                <a:tab algn="l" pos="0"/>
+              </a:tabLst>
+            </a:pPr>
+            <a:endParaRPr b="0" lang="en-IL" sz="1800" spc="-1" strike="noStrike">
+              <a:solidFill>
+                <a:srgbClr val="000000"/>
+              </a:solidFill>
+              <a:latin typeface="Arial"/>
+            </a:endParaRPr>
+          </a:p>
+          <a:p>
+            <a:pPr indent="0">
+              <a:lnSpc>
+                <a:spcPct val="100000"/>
+              </a:lnSpc>
+              <a:buNone/>
+              <a:tabLst>
+                <a:tab algn="l" pos="0"/>
+              </a:tabLst>
+            </a:pPr>
+            <a:endParaRPr b="0" lang="en-IL" sz="1800" spc="-1" strike="noStrike">
               <a:solidFill>
                 <a:srgbClr val="000000"/>
               </a:solidFill>
@@ -6220,7 +6464,7 @@
       </p:grpSpPr>
       <p:sp>
         <p:nvSpPr>
-          <p:cNvPr id="151" name="PlaceHolder 1"/>
+          <p:cNvPr id="132" name="PlaceHolder 1"/>
           <p:cNvSpPr>
             <a:spLocks noGrp="1"/>
           </p:cNvSpPr>
@@ -6231,7 +6475,7 @@
         <p:spPr>
           <a:xfrm>
             <a:off x="153720" y="393840"/>
-            <a:ext cx="8519760" cy="291960"/>
+            <a:ext cx="8519040" cy="291240"/>
           </a:xfrm>
           <a:prstGeom prst="rect">
             <a:avLst/>
@@ -6263,7 +6507,7 @@
                 <a:latin typeface="Arial"/>
                 <a:ea typeface="Arial"/>
               </a:rPr>
-              <a:t>Entities</a:t>
+              <a:t>Flow</a:t>
             </a:r>
             <a:endParaRPr b="0" lang="en-IL" sz="3600" spc="-1" strike="noStrike">
               <a:solidFill>
@@ -6276,7 +6520,7 @@
       </p:sp>
       <p:sp>
         <p:nvSpPr>
-          <p:cNvPr id="152" name="PlaceHolder 2"/>
+          <p:cNvPr id="133" name="PlaceHolder 2"/>
           <p:cNvSpPr>
             <a:spLocks noGrp="1"/>
           </p:cNvSpPr>
@@ -6286,8 +6530,8 @@
         </p:nvSpPr>
         <p:spPr>
           <a:xfrm>
-            <a:off x="223560" y="800280"/>
-            <a:ext cx="3299760" cy="3599640"/>
+            <a:off x="311760" y="2834280"/>
+            <a:ext cx="8519040" cy="791280"/>
           </a:xfrm>
           <a:prstGeom prst="rect">
             <a:avLst/>
@@ -6302,535 +6546,10 @@
             <a:normAutofit/>
           </a:bodyPr>
           <a:p>
-            <a:pPr marL="216000" indent="0">
-              <a:lnSpc>
-                <a:spcPct val="100000"/>
-              </a:lnSpc>
-              <a:buNone/>
-              <a:tabLst>
-                <a:tab algn="l" pos="0"/>
-              </a:tabLst>
+            <a:pPr indent="0" algn="ctr">
+              <a:buNone/>
             </a:pPr>
             <a:endParaRPr b="0" lang="en-IL" sz="1800" spc="-1" strike="noStrike">
-              <a:solidFill>
-                <a:srgbClr val="000000"/>
-              </a:solidFill>
-              <a:latin typeface="Arial"/>
-            </a:endParaRPr>
-          </a:p>
-          <a:p>
-            <a:pPr marL="216000" indent="-216000">
-              <a:lnSpc>
-                <a:spcPct val="100000"/>
-              </a:lnSpc>
-              <a:buClr>
-                <a:srgbClr val="000000"/>
-              </a:buClr>
-              <a:buSzPct val="45000"/>
-              <a:buFont typeface="Wingdings" charset="2"/>
-              <a:buChar char=""/>
-              <a:tabLst>
-                <a:tab algn="l" pos="0"/>
-              </a:tabLst>
-            </a:pPr>
-            <a:r>
-              <a:rPr b="0" lang="en-IL" sz="1800" spc="-1" strike="noStrike">
-                <a:solidFill>
-                  <a:srgbClr val="000000"/>
-                </a:solidFill>
-                <a:latin typeface="Arial"/>
-              </a:rPr>
-              <a:t>Board</a:t>
-            </a:r>
-            <a:endParaRPr b="0" lang="en-IL" sz="1800" spc="-1" strike="noStrike">
-              <a:solidFill>
-                <a:srgbClr val="000000"/>
-              </a:solidFill>
-              <a:latin typeface="Arial"/>
-            </a:endParaRPr>
-          </a:p>
-          <a:p>
-            <a:pPr lvl="1" marL="432000" indent="-216000">
-              <a:lnSpc>
-                <a:spcPct val="100000"/>
-              </a:lnSpc>
-              <a:buClr>
-                <a:srgbClr val="000000"/>
-              </a:buClr>
-              <a:buSzPct val="45000"/>
-              <a:buFont typeface="Wingdings" charset="2"/>
-              <a:buChar char=""/>
-              <a:tabLst>
-                <a:tab algn="l" pos="0"/>
-              </a:tabLst>
-            </a:pPr>
-            <a:r>
-              <a:rPr b="0" lang="en-IL" sz="1800" spc="-1" strike="noStrike">
-                <a:solidFill>
-                  <a:srgbClr val="000000"/>
-                </a:solidFill>
-                <a:latin typeface="Arial"/>
-              </a:rPr>
-              <a:t>List = Group</a:t>
-            </a:r>
-            <a:endParaRPr b="0" lang="en-IL" sz="1800" spc="-1" strike="noStrike">
-              <a:solidFill>
-                <a:srgbClr val="000000"/>
-              </a:solidFill>
-              <a:latin typeface="Arial"/>
-            </a:endParaRPr>
-          </a:p>
-          <a:p>
-            <a:pPr lvl="2" marL="648000" indent="-216000">
-              <a:lnSpc>
-                <a:spcPct val="100000"/>
-              </a:lnSpc>
-              <a:buClr>
-                <a:srgbClr val="000000"/>
-              </a:buClr>
-              <a:buSzPct val="45000"/>
-              <a:buFont typeface="Wingdings" charset="2"/>
-              <a:buChar char=""/>
-              <a:tabLst>
-                <a:tab algn="l" pos="0"/>
-              </a:tabLst>
-            </a:pPr>
-            <a:r>
-              <a:rPr b="0" lang="en-IL" sz="1800" spc="-1" strike="noStrike">
-                <a:solidFill>
-                  <a:srgbClr val="000000"/>
-                </a:solidFill>
-                <a:latin typeface="Arial"/>
-              </a:rPr>
-              <a:t>Card = Task:</a:t>
-            </a:r>
-            <a:endParaRPr b="0" lang="en-IL" sz="1800" spc="-1" strike="noStrike">
-              <a:solidFill>
-                <a:srgbClr val="000000"/>
-              </a:solidFill>
-              <a:latin typeface="Arial"/>
-            </a:endParaRPr>
-          </a:p>
-          <a:p>
-            <a:pPr lvl="3" marL="864000" indent="-216000">
-              <a:lnSpc>
-                <a:spcPct val="100000"/>
-              </a:lnSpc>
-              <a:buClr>
-                <a:srgbClr val="000000"/>
-              </a:buClr>
-              <a:buSzPct val="45000"/>
-              <a:buFont typeface="Wingdings" charset="2"/>
-              <a:buChar char=""/>
-              <a:tabLst>
-                <a:tab algn="l" pos="0"/>
-              </a:tabLst>
-            </a:pPr>
-            <a:r>
-              <a:rPr b="0" lang="en-IL" sz="1800" spc="-1" strike="noStrike">
-                <a:solidFill>
-                  <a:srgbClr val="000000"/>
-                </a:solidFill>
-                <a:latin typeface="Arial"/>
-              </a:rPr>
-              <a:t>Comment</a:t>
-            </a:r>
-            <a:endParaRPr b="0" lang="en-IL" sz="1800" spc="-1" strike="noStrike">
-              <a:solidFill>
-                <a:srgbClr val="000000"/>
-              </a:solidFill>
-              <a:latin typeface="Arial"/>
-            </a:endParaRPr>
-          </a:p>
-          <a:p>
-            <a:pPr lvl="3" marL="864000" indent="-216000">
-              <a:lnSpc>
-                <a:spcPct val="100000"/>
-              </a:lnSpc>
-              <a:buClr>
-                <a:srgbClr val="000000"/>
-              </a:buClr>
-              <a:buSzPct val="45000"/>
-              <a:buFont typeface="Wingdings" charset="2"/>
-              <a:buChar char=""/>
-              <a:tabLst>
-                <a:tab algn="l" pos="0"/>
-              </a:tabLst>
-            </a:pPr>
-            <a:r>
-              <a:rPr b="0" lang="en-IL" sz="1800" spc="-1" strike="noStrike">
-                <a:solidFill>
-                  <a:srgbClr val="000000"/>
-                </a:solidFill>
-                <a:latin typeface="Arial"/>
-              </a:rPr>
-              <a:t>Checklist+Todo</a:t>
-            </a:r>
-            <a:endParaRPr b="0" lang="en-IL" sz="1800" spc="-1" strike="noStrike">
-              <a:solidFill>
-                <a:srgbClr val="000000"/>
-              </a:solidFill>
-              <a:latin typeface="Arial"/>
-            </a:endParaRPr>
-          </a:p>
-          <a:p>
-            <a:pPr lvl="3" marL="864000" indent="-216000">
-              <a:lnSpc>
-                <a:spcPct val="100000"/>
-              </a:lnSpc>
-              <a:buClr>
-                <a:srgbClr val="000000"/>
-              </a:buClr>
-              <a:buSzPct val="45000"/>
-              <a:buFont typeface="Wingdings" charset="2"/>
-              <a:buChar char=""/>
-              <a:tabLst>
-                <a:tab algn="l" pos="0"/>
-              </a:tabLst>
-            </a:pPr>
-            <a:r>
-              <a:rPr b="0" lang="en-IL" sz="1800" spc="-1" strike="noStrike">
-                <a:solidFill>
-                  <a:srgbClr val="000000"/>
-                </a:solidFill>
-                <a:latin typeface="Arial"/>
-              </a:rPr>
-              <a:t>Attachment</a:t>
-            </a:r>
-            <a:endParaRPr b="0" lang="en-IL" sz="1800" spc="-1" strike="noStrike">
-              <a:solidFill>
-                <a:srgbClr val="000000"/>
-              </a:solidFill>
-              <a:latin typeface="Arial"/>
-            </a:endParaRPr>
-          </a:p>
-          <a:p>
-            <a:pPr lvl="1" marL="432000" indent="-216000">
-              <a:lnSpc>
-                <a:spcPct val="100000"/>
-              </a:lnSpc>
-              <a:buClr>
-                <a:srgbClr val="000000"/>
-              </a:buClr>
-              <a:buSzPct val="45000"/>
-              <a:buFont typeface="Wingdings" charset="2"/>
-              <a:buChar char=""/>
-              <a:tabLst>
-                <a:tab algn="l" pos="0"/>
-              </a:tabLst>
-            </a:pPr>
-            <a:r>
-              <a:rPr b="0" lang="en-IL" sz="1800" spc="-1" strike="noStrike">
-                <a:solidFill>
-                  <a:srgbClr val="000000"/>
-                </a:solidFill>
-                <a:latin typeface="Arial"/>
-              </a:rPr>
-              <a:t>Activity</a:t>
-            </a:r>
-            <a:endParaRPr b="0" lang="en-IL" sz="1800" spc="-1" strike="noStrike">
-              <a:solidFill>
-                <a:srgbClr val="000000"/>
-              </a:solidFill>
-              <a:latin typeface="Arial"/>
-            </a:endParaRPr>
-          </a:p>
-          <a:p>
-            <a:pPr marL="216000" indent="-216000">
-              <a:lnSpc>
-                <a:spcPct val="100000"/>
-              </a:lnSpc>
-              <a:buClr>
-                <a:srgbClr val="000000"/>
-              </a:buClr>
-              <a:buSzPct val="45000"/>
-              <a:buFont typeface="Wingdings" charset="2"/>
-              <a:buChar char=""/>
-              <a:tabLst>
-                <a:tab algn="l" pos="0"/>
-              </a:tabLst>
-            </a:pPr>
-            <a:r>
-              <a:rPr b="0" lang="en-IL" sz="1800" spc="-1" strike="noStrike">
-                <a:solidFill>
-                  <a:srgbClr val="000000"/>
-                </a:solidFill>
-                <a:latin typeface="Arial"/>
-              </a:rPr>
-              <a:t>Member</a:t>
-            </a:r>
-            <a:endParaRPr b="0" lang="en-IL" sz="1800" spc="-1" strike="noStrike">
-              <a:solidFill>
-                <a:srgbClr val="000000"/>
-              </a:solidFill>
-              <a:latin typeface="Arial"/>
-            </a:endParaRPr>
-          </a:p>
-          <a:p>
-            <a:pPr marL="216000" indent="-216000">
-              <a:lnSpc>
-                <a:spcPct val="100000"/>
-              </a:lnSpc>
-              <a:buClr>
-                <a:srgbClr val="000000"/>
-              </a:buClr>
-              <a:buSzPct val="45000"/>
-              <a:buFont typeface="Wingdings" charset="2"/>
-              <a:buChar char=""/>
-              <a:tabLst>
-                <a:tab algn="l" pos="0"/>
-              </a:tabLst>
-            </a:pPr>
-            <a:r>
-              <a:rPr b="0" lang="en-IL" sz="1800" spc="-1" strike="noStrike">
-                <a:solidFill>
-                  <a:srgbClr val="000000"/>
-                </a:solidFill>
-                <a:latin typeface="Arial"/>
-              </a:rPr>
-              <a:t>Label</a:t>
-            </a:r>
-            <a:endParaRPr b="0" lang="en-IL" sz="1800" spc="-1" strike="noStrike">
-              <a:solidFill>
-                <a:srgbClr val="000000"/>
-              </a:solidFill>
-              <a:latin typeface="Arial"/>
-            </a:endParaRPr>
-          </a:p>
-          <a:p>
-            <a:pPr marL="216000" indent="-216000">
-              <a:lnSpc>
-                <a:spcPct val="100000"/>
-              </a:lnSpc>
-              <a:buClr>
-                <a:srgbClr val="000000"/>
-              </a:buClr>
-              <a:buSzPct val="45000"/>
-              <a:buFont typeface="Wingdings" charset="2"/>
-              <a:buChar char=""/>
-              <a:tabLst>
-                <a:tab algn="l" pos="0"/>
-              </a:tabLst>
-            </a:pPr>
-            <a:r>
-              <a:rPr b="0" lang="en-IL" sz="1800" spc="-1" strike="noStrike">
-                <a:solidFill>
-                  <a:srgbClr val="000000"/>
-                </a:solidFill>
-                <a:latin typeface="Arial"/>
-              </a:rPr>
-              <a:t>Action</a:t>
-            </a:r>
-            <a:endParaRPr b="0" lang="en-IL" sz="1800" spc="-1" strike="noStrike">
-              <a:solidFill>
-                <a:srgbClr val="000000"/>
-              </a:solidFill>
-              <a:latin typeface="Arial"/>
-            </a:endParaRPr>
-          </a:p>
-        </p:txBody>
-      </p:sp>
-      <p:sp>
-        <p:nvSpPr>
-          <p:cNvPr id="153" name="Google Shape;79;p 1"/>
-          <p:cNvSpPr/>
-          <p:nvPr/>
-        </p:nvSpPr>
-        <p:spPr>
-          <a:xfrm>
-            <a:off x="4259880" y="1080000"/>
-            <a:ext cx="3299760" cy="2159640"/>
-          </a:xfrm>
-          <a:prstGeom prst="rect">
-            <a:avLst/>
-          </a:prstGeom>
-          <a:noFill/>
-          <a:ln w="0">
-            <a:noFill/>
-          </a:ln>
-        </p:spPr>
-        <p:style>
-          <a:lnRef idx="0"/>
-          <a:fillRef idx="0"/>
-          <a:effectRef idx="0"/>
-          <a:fontRef idx="minor"/>
-        </p:style>
-        <p:txBody>
-          <a:bodyPr lIns="90000" rIns="90000" tIns="91440" bIns="91440" anchor="t">
-            <a:normAutofit/>
-          </a:bodyPr>
-          <a:p>
-            <a:pPr marL="216000" indent="-216000">
-              <a:lnSpc>
-                <a:spcPct val="100000"/>
-              </a:lnSpc>
-              <a:buClr>
-                <a:srgbClr val="000000"/>
-              </a:buClr>
-              <a:buSzPct val="45000"/>
-              <a:buFont typeface="Wingdings" charset="2"/>
-              <a:buChar char=""/>
-            </a:pPr>
-            <a:r>
-              <a:rPr b="0" lang="en-IL" sz="1800" spc="-1" strike="noStrike">
-                <a:solidFill>
-                  <a:srgbClr val="000000"/>
-                </a:solidFill>
-                <a:latin typeface="Arial"/>
-              </a:rPr>
-              <a:t>Workspace</a:t>
-            </a:r>
-            <a:endParaRPr b="0" lang="en-IL" sz="1800" spc="-1" strike="noStrike">
-              <a:solidFill>
-                <a:srgbClr val="000000"/>
-              </a:solidFill>
-              <a:latin typeface="Arial"/>
-            </a:endParaRPr>
-          </a:p>
-          <a:p>
-            <a:pPr marL="216000" indent="-216000">
-              <a:lnSpc>
-                <a:spcPct val="100000"/>
-              </a:lnSpc>
-              <a:buClr>
-                <a:srgbClr val="000000"/>
-              </a:buClr>
-              <a:buSzPct val="45000"/>
-              <a:buFont typeface="Wingdings" charset="2"/>
-              <a:buChar char=""/>
-            </a:pPr>
-            <a:r>
-              <a:rPr b="0" lang="en-IL" sz="1800" spc="-1" strike="noStrike">
-                <a:solidFill>
-                  <a:srgbClr val="000000"/>
-                </a:solidFill>
-                <a:latin typeface="Arial"/>
-              </a:rPr>
-              <a:t>Custom Field</a:t>
-            </a:r>
-            <a:endParaRPr b="0" lang="en-IL" sz="1800" spc="-1" strike="noStrike">
-              <a:solidFill>
-                <a:srgbClr val="000000"/>
-              </a:solidFill>
-              <a:latin typeface="Arial"/>
-            </a:endParaRPr>
-          </a:p>
-          <a:p>
-            <a:pPr marL="216000" indent="-216000">
-              <a:lnSpc>
-                <a:spcPct val="100000"/>
-              </a:lnSpc>
-              <a:buClr>
-                <a:srgbClr val="000000"/>
-              </a:buClr>
-              <a:buSzPct val="45000"/>
-              <a:buFont typeface="Wingdings" charset="2"/>
-              <a:buChar char=""/>
-            </a:pPr>
-            <a:r>
-              <a:rPr b="0" lang="en-IL" sz="1800" spc="-1" strike="noStrike">
-                <a:solidFill>
-                  <a:srgbClr val="000000"/>
-                </a:solidFill>
-                <a:latin typeface="Arial"/>
-              </a:rPr>
-              <a:t>Automation</a:t>
-            </a:r>
-            <a:endParaRPr b="0" lang="en-IL" sz="1800" spc="-1" strike="noStrike">
-              <a:solidFill>
-                <a:srgbClr val="000000"/>
-              </a:solidFill>
-              <a:latin typeface="Arial"/>
-            </a:endParaRPr>
-          </a:p>
-          <a:p>
-            <a:pPr marL="216000" indent="-216000">
-              <a:lnSpc>
-                <a:spcPct val="100000"/>
-              </a:lnSpc>
-              <a:buClr>
-                <a:srgbClr val="000000"/>
-              </a:buClr>
-              <a:buSzPct val="45000"/>
-              <a:buFont typeface="Wingdings" charset="2"/>
-              <a:buChar char=""/>
-            </a:pPr>
-            <a:r>
-              <a:rPr b="0" lang="en-IL" sz="1800" spc="-1" strike="noStrike">
-                <a:solidFill>
-                  <a:srgbClr val="000000"/>
-                </a:solidFill>
-                <a:latin typeface="Arial"/>
-              </a:rPr>
-              <a:t>Template</a:t>
-            </a:r>
-            <a:endParaRPr b="0" lang="en-IL" sz="1800" spc="-1" strike="noStrike">
-              <a:solidFill>
-                <a:srgbClr val="000000"/>
-              </a:solidFill>
-              <a:latin typeface="Arial"/>
-            </a:endParaRPr>
-          </a:p>
-          <a:p>
-            <a:pPr>
-              <a:lnSpc>
-                <a:spcPct val="100000"/>
-              </a:lnSpc>
-            </a:pPr>
-            <a:endParaRPr b="0" lang="en-IL" sz="1800" spc="-1" strike="noStrike">
-              <a:solidFill>
-                <a:srgbClr val="000000"/>
-              </a:solidFill>
-              <a:latin typeface="Arial"/>
-            </a:endParaRPr>
-          </a:p>
-        </p:txBody>
-      </p:sp>
-      <p:sp>
-        <p:nvSpPr>
-          <p:cNvPr id="154" name=""/>
-          <p:cNvSpPr/>
-          <p:nvPr/>
-        </p:nvSpPr>
-        <p:spPr>
-          <a:xfrm>
-            <a:off x="4140000" y="540000"/>
-            <a:ext cx="2519640" cy="429840"/>
-          </a:xfrm>
-          <a:prstGeom prst="rect">
-            <a:avLst/>
-          </a:prstGeom>
-          <a:noFill/>
-          <a:ln w="36000">
-            <a:noFill/>
-          </a:ln>
-        </p:spPr>
-        <p:style>
-          <a:lnRef idx="0"/>
-          <a:fillRef idx="0"/>
-          <a:effectRef idx="0"/>
-          <a:fontRef idx="minor"/>
-        </p:style>
-        <p:txBody>
-          <a:bodyPr lIns="90000" rIns="90000" tIns="45000" bIns="45000" anchor="t">
-            <a:noAutofit/>
-          </a:bodyPr>
-          <a:p>
-            <a:pPr>
-              <a:lnSpc>
-                <a:spcPct val="100000"/>
-              </a:lnSpc>
-            </a:pPr>
-            <a:r>
-              <a:rPr b="0" lang="en-IL" sz="2400" spc="-1" strike="noStrike">
-                <a:solidFill>
-                  <a:srgbClr val="000000"/>
-                </a:solidFill>
-                <a:latin typeface="Arial"/>
-              </a:rPr>
-              <a:t>Nice to have:</a:t>
-            </a:r>
-            <a:endParaRPr b="0" lang="en-IL" sz="2400" spc="-1" strike="noStrike">
               <a:solidFill>
                 <a:srgbClr val="000000"/>
               </a:solidFill>
@@ -6871,7 +6590,7 @@
       </p:grpSpPr>
       <p:sp>
         <p:nvSpPr>
-          <p:cNvPr id="155" name="PlaceHolder 1"/>
+          <p:cNvPr id="134" name="PlaceHolder 1"/>
           <p:cNvSpPr>
             <a:spLocks noGrp="1"/>
           </p:cNvSpPr>
@@ -6881,858 +6600,8 @@
         </p:nvSpPr>
         <p:spPr>
           <a:xfrm>
-            <a:off x="153720" y="1729800"/>
-            <a:ext cx="8519760" cy="840960"/>
-          </a:xfrm>
-          <a:prstGeom prst="rect">
-            <a:avLst/>
-          </a:prstGeom>
-          <a:noFill/>
-          <a:ln w="0">
-            <a:noFill/>
-          </a:ln>
-        </p:spPr>
-        <p:txBody>
-          <a:bodyPr lIns="91440" rIns="91440" tIns="91440" bIns="91440" anchor="ctr">
-            <a:noAutofit/>
-          </a:bodyPr>
-          <a:p>
-            <a:pPr indent="0" algn="ctr">
-              <a:lnSpc>
-                <a:spcPct val="100000"/>
-              </a:lnSpc>
-              <a:buNone/>
-              <a:tabLst>
-                <a:tab algn="l" pos="0"/>
-              </a:tabLst>
-            </a:pPr>
-            <a:r>
-              <a:rPr b="0" lang="en-US" sz="6000" spc="-1" strike="noStrike">
-                <a:solidFill>
-                  <a:schemeClr val="dk1"/>
-                </a:solidFill>
-                <a:latin typeface="Arial"/>
-                <a:ea typeface="Arial"/>
-              </a:rPr>
-              <a:t>Main Flows</a:t>
-            </a:r>
-            <a:endParaRPr b="0" lang="en-IL" sz="6000" spc="-1" strike="noStrike">
-              <a:solidFill>
-                <a:srgbClr val="000000"/>
-              </a:solidFill>
-              <a:latin typeface="Arial"/>
-            </a:endParaRPr>
-          </a:p>
-        </p:txBody>
-      </p:sp>
-    </p:spTree>
-  </p:cSld>
-  <mc:AlternateContent>
-    <mc:Choice Requires="p14">
-      <p:transition spd="slow" p14:dur="2000"/>
-    </mc:Choice>
-    <mc:Fallback>
-      <p:transition spd="slow"/>
-    </mc:Fallback>
-  </mc:AlternateContent>
-</p:sld>
-</file>
-
-<file path=ppt/slides/slide16.xml><?xml version="1.0" encoding="utf-8"?>
-<p:sld xmlns:a="http://schemas.openxmlformats.org/drawingml/2006/main" xmlns:p="http://schemas.openxmlformats.org/presentationml/2006/main" xmlns:r="http://schemas.openxmlformats.org/officeDocument/2006/relationships" xmlns:p14="http://schemas.microsoft.com/office/powerpoint/2010/main" xmlns:p15="http://schemas.microsoft.com/office/powerpoint/2012/main" xmlns:mc="http://schemas.openxmlformats.org/markup-compatibility/2006">
-  <p:cSld>
-    <p:spTree>
-      <p:nvGrpSpPr>
-        <p:cNvPr id="1" name=""/>
-        <p:cNvGrpSpPr/>
-        <p:nvPr/>
-      </p:nvGrpSpPr>
-      <p:grpSpPr>
-        <a:xfrm>
-          <a:off x="0" y="0"/>
-          <a:ext cx="0" cy="0"/>
-          <a:chOff x="0" y="0"/>
-          <a:chExt cx="0" cy="0"/>
-        </a:xfrm>
-      </p:grpSpPr>
-      <p:sp>
-        <p:nvSpPr>
-          <p:cNvPr id="156" name="PlaceHolder 1"/>
-          <p:cNvSpPr>
-            <a:spLocks noGrp="1"/>
-          </p:cNvSpPr>
-          <p:nvPr>
-            <p:ph type="title"/>
-          </p:nvPr>
-        </p:nvSpPr>
-        <p:spPr>
-          <a:xfrm>
-            <a:off x="153720" y="393840"/>
-            <a:ext cx="8519760" cy="291960"/>
-          </a:xfrm>
-          <a:prstGeom prst="rect">
-            <a:avLst/>
-          </a:prstGeom>
-          <a:noFill/>
-          <a:ln w="0">
-            <a:noFill/>
-          </a:ln>
-        </p:spPr>
-        <p:txBody>
-          <a:bodyPr lIns="91440" rIns="91440" tIns="91440" bIns="91440" anchor="b">
-            <a:noAutofit/>
-          </a:bodyPr>
-          <a:p>
-            <a:pPr indent="0">
-              <a:lnSpc>
-                <a:spcPct val="100000"/>
-              </a:lnSpc>
-              <a:buNone/>
-              <a:tabLst>
-                <a:tab algn="l" pos="0"/>
-              </a:tabLst>
-            </a:pPr>
-            <a:r>
-              <a:rPr b="0" lang="en-US" sz="3600" spc="-1" strike="noStrike">
-                <a:solidFill>
-                  <a:schemeClr val="dk1"/>
-                </a:solidFill>
-                <a:latin typeface="Arial"/>
-                <a:ea typeface="Arial"/>
-              </a:rPr>
-              <a:t>Flow</a:t>
-            </a:r>
-            <a:endParaRPr b="0" lang="en-IL" sz="3600" spc="-1" strike="noStrike">
-              <a:solidFill>
-                <a:srgbClr val="000000"/>
-              </a:solidFill>
-              <a:latin typeface="Arial"/>
-            </a:endParaRPr>
-          </a:p>
-        </p:txBody>
-      </p:sp>
-      <p:sp>
-        <p:nvSpPr>
-          <p:cNvPr id="157" name="Rectangle 1"/>
-          <p:cNvSpPr/>
-          <p:nvPr/>
-        </p:nvSpPr>
-        <p:spPr>
-          <a:xfrm>
-            <a:off x="612000" y="955800"/>
-            <a:ext cx="1890000" cy="1352880"/>
-          </a:xfrm>
-          <a:prstGeom prst="rect">
-            <a:avLst/>
-          </a:prstGeom>
-          <a:solidFill>
-            <a:srgbClr val="4285f4"/>
-          </a:solidFill>
-          <a:ln>
-            <a:solidFill>
-              <a:srgbClr val="3062b4"/>
-            </a:solidFill>
-            <a:round/>
-          </a:ln>
-        </p:spPr>
-        <p:style>
-          <a:lnRef idx="2">
-            <a:schemeClr val="accent1">
-              <a:shade val="50000"/>
-            </a:schemeClr>
-          </a:lnRef>
-          <a:fillRef idx="1">
-            <a:schemeClr val="accent1"/>
-          </a:fillRef>
-          <a:effectRef idx="0">
-            <a:schemeClr val="accent1"/>
-          </a:effectRef>
-          <a:fontRef idx="minor"/>
-        </p:style>
-        <p:txBody>
-          <a:bodyPr lIns="90000" rIns="90000" tIns="45000" bIns="45000" anchor="ctr">
-            <a:noAutofit/>
-          </a:bodyPr>
-          <a:p>
-            <a:pPr algn="ctr"/>
-            <a:r>
-              <a:rPr b="0" lang="en-US" sz="1400" spc="-1" strike="noStrike">
-                <a:solidFill>
-                  <a:schemeClr val="lt1"/>
-                </a:solidFill>
-                <a:latin typeface="Arial"/>
-              </a:rPr>
-              <a:t>Homepage + Authentication</a:t>
-            </a:r>
-            <a:endParaRPr b="0" lang="en-US" sz="1400" spc="-1" strike="noStrike">
-              <a:solidFill>
-                <a:schemeClr val="lt1"/>
-              </a:solidFill>
-              <a:latin typeface="Arial"/>
-              <a:ea typeface="Arial"/>
-            </a:endParaRPr>
-          </a:p>
-        </p:txBody>
-      </p:sp>
-      <p:sp>
-        <p:nvSpPr>
-          <p:cNvPr id="158" name="Rectangle 3"/>
-          <p:cNvSpPr/>
-          <p:nvPr/>
-        </p:nvSpPr>
-        <p:spPr>
-          <a:xfrm>
-            <a:off x="3626640" y="955800"/>
-            <a:ext cx="1890000" cy="1352880"/>
-          </a:xfrm>
-          <a:prstGeom prst="rect">
-            <a:avLst/>
-          </a:prstGeom>
-          <a:solidFill>
-            <a:srgbClr val="4285f4"/>
-          </a:solidFill>
-          <a:ln>
-            <a:solidFill>
-              <a:srgbClr val="3062b4"/>
-            </a:solidFill>
-            <a:round/>
-          </a:ln>
-        </p:spPr>
-        <p:style>
-          <a:lnRef idx="2">
-            <a:schemeClr val="accent1">
-              <a:shade val="50000"/>
-            </a:schemeClr>
-          </a:lnRef>
-          <a:fillRef idx="1">
-            <a:schemeClr val="accent1"/>
-          </a:fillRef>
-          <a:effectRef idx="0">
-            <a:schemeClr val="accent1"/>
-          </a:effectRef>
-          <a:fontRef idx="minor"/>
-        </p:style>
-        <p:txBody>
-          <a:bodyPr lIns="90000" rIns="90000" tIns="45000" bIns="45000" anchor="ctr">
-            <a:noAutofit/>
-          </a:bodyPr>
-          <a:p>
-            <a:pPr algn="ctr"/>
-            <a:r>
-              <a:rPr b="0" lang="en-US" sz="1400" spc="-1" strike="noStrike">
-                <a:solidFill>
-                  <a:schemeClr val="lt1"/>
-                </a:solidFill>
-                <a:latin typeface="Arial"/>
-              </a:rPr>
-              <a:t>Boards page</a:t>
-            </a:r>
-            <a:endParaRPr b="0" lang="en-US" sz="1400" spc="-1" strike="noStrike">
-              <a:solidFill>
-                <a:schemeClr val="lt1"/>
-              </a:solidFill>
-              <a:latin typeface="Arial"/>
-              <a:ea typeface="Arial"/>
-            </a:endParaRPr>
-          </a:p>
-        </p:txBody>
-      </p:sp>
-      <p:sp>
-        <p:nvSpPr>
-          <p:cNvPr id="159" name="Rectangle 5"/>
-          <p:cNvSpPr/>
-          <p:nvPr/>
-        </p:nvSpPr>
-        <p:spPr>
-          <a:xfrm>
-            <a:off x="6366600" y="2247120"/>
-            <a:ext cx="1890000" cy="1352880"/>
-          </a:xfrm>
-          <a:prstGeom prst="rect">
-            <a:avLst/>
-          </a:prstGeom>
-          <a:solidFill>
-            <a:srgbClr val="4285f4"/>
-          </a:solidFill>
-          <a:ln>
-            <a:solidFill>
-              <a:srgbClr val="3062b4"/>
-            </a:solidFill>
-            <a:round/>
-          </a:ln>
-        </p:spPr>
-        <p:style>
-          <a:lnRef idx="2">
-            <a:schemeClr val="accent1">
-              <a:shade val="50000"/>
-            </a:schemeClr>
-          </a:lnRef>
-          <a:fillRef idx="1">
-            <a:schemeClr val="accent1"/>
-          </a:fillRef>
-          <a:effectRef idx="0">
-            <a:schemeClr val="accent1"/>
-          </a:effectRef>
-          <a:fontRef idx="minor"/>
-        </p:style>
-        <p:txBody>
-          <a:bodyPr lIns="90000" rIns="90000" tIns="45000" bIns="45000" anchor="ctr">
-            <a:noAutofit/>
-          </a:bodyPr>
-          <a:p>
-            <a:pPr algn="ctr"/>
-            <a:r>
-              <a:rPr b="0" lang="en-US" sz="1400" spc="-1" strike="noStrike">
-                <a:solidFill>
-                  <a:schemeClr val="lt1"/>
-                </a:solidFill>
-                <a:latin typeface="Arial"/>
-              </a:rPr>
-              <a:t>Board</a:t>
-            </a:r>
-            <a:endParaRPr b="0" lang="en-US" sz="1400" spc="-1" strike="noStrike">
-              <a:solidFill>
-                <a:schemeClr val="lt1"/>
-              </a:solidFill>
-              <a:latin typeface="Arial"/>
-              <a:ea typeface="Arial"/>
-            </a:endParaRPr>
-          </a:p>
-        </p:txBody>
-      </p:sp>
-      <p:sp>
-        <p:nvSpPr>
-          <p:cNvPr id="160" name="Rectangle 7"/>
-          <p:cNvSpPr/>
-          <p:nvPr/>
-        </p:nvSpPr>
-        <p:spPr>
-          <a:xfrm>
-            <a:off x="3626640" y="3571560"/>
-            <a:ext cx="1890000" cy="1352880"/>
-          </a:xfrm>
-          <a:prstGeom prst="rect">
-            <a:avLst/>
-          </a:prstGeom>
-          <a:solidFill>
-            <a:srgbClr val="4285f4"/>
-          </a:solidFill>
-          <a:ln>
-            <a:solidFill>
-              <a:srgbClr val="3062b4"/>
-            </a:solidFill>
-            <a:round/>
-          </a:ln>
-        </p:spPr>
-        <p:style>
-          <a:lnRef idx="2">
-            <a:schemeClr val="accent1">
-              <a:shade val="50000"/>
-            </a:schemeClr>
-          </a:lnRef>
-          <a:fillRef idx="1">
-            <a:schemeClr val="accent1"/>
-          </a:fillRef>
-          <a:effectRef idx="0">
-            <a:schemeClr val="accent1"/>
-          </a:effectRef>
-          <a:fontRef idx="minor"/>
-        </p:style>
-        <p:txBody>
-          <a:bodyPr lIns="90000" rIns="90000" tIns="45000" bIns="45000" anchor="ctr">
-            <a:noAutofit/>
-          </a:bodyPr>
-          <a:p>
-            <a:pPr algn="ctr"/>
-            <a:r>
-              <a:rPr b="0" lang="en-US" sz="1400" spc="-1" strike="noStrike">
-                <a:solidFill>
-                  <a:schemeClr val="lt1"/>
-                </a:solidFill>
-                <a:latin typeface="Arial"/>
-              </a:rPr>
-              <a:t>Task (card)</a:t>
-            </a:r>
-            <a:endParaRPr b="0" lang="en-US" sz="1400" spc="-1" strike="noStrike">
-              <a:solidFill>
-                <a:schemeClr val="lt1"/>
-              </a:solidFill>
-              <a:latin typeface="Arial"/>
-              <a:ea typeface="Arial"/>
-            </a:endParaRPr>
-          </a:p>
-        </p:txBody>
-      </p:sp>
-      <p:cxnSp>
-        <p:nvCxnSpPr>
-          <p:cNvPr id="161" name="Straight Arrow Connector 11"/>
-          <p:cNvCxnSpPr/>
-          <p:nvPr/>
-        </p:nvCxnSpPr>
-        <p:spPr>
-          <a:xfrm>
-            <a:off x="2581560" y="1632240"/>
-            <a:ext cx="973440" cy="720"/>
-          </a:xfrm>
-          <a:prstGeom prst="straightConnector1">
-            <a:avLst/>
-          </a:prstGeom>
-          <a:ln w="57150">
-            <a:solidFill>
-              <a:srgbClr val="3c81f2"/>
-            </a:solidFill>
-            <a:round/>
-            <a:tailEnd len="med" type="triangle" w="med"/>
-          </a:ln>
-        </p:spPr>
-      </p:cxnSp>
-      <p:cxnSp>
-        <p:nvCxnSpPr>
-          <p:cNvPr id="162" name="Straight Arrow Connector 12"/>
-          <p:cNvCxnSpPr/>
-          <p:nvPr/>
-        </p:nvCxnSpPr>
-        <p:spPr>
-          <a:xfrm>
-            <a:off x="5592960" y="1634760"/>
-            <a:ext cx="1049040" cy="488520"/>
-          </a:xfrm>
-          <a:prstGeom prst="straightConnector1">
-            <a:avLst/>
-          </a:prstGeom>
-          <a:ln w="57150">
-            <a:solidFill>
-              <a:srgbClr val="3c81f2"/>
-            </a:solidFill>
-            <a:round/>
-            <a:tailEnd len="med" type="triangle" w="med"/>
-          </a:ln>
-        </p:spPr>
-      </p:cxnSp>
-      <p:cxnSp>
-        <p:nvCxnSpPr>
-          <p:cNvPr id="163" name="Straight Arrow Connector 14"/>
-          <p:cNvCxnSpPr/>
-          <p:nvPr/>
-        </p:nvCxnSpPr>
-        <p:spPr>
-          <a:xfrm flipH="1">
-            <a:off x="5589360" y="3724920"/>
-            <a:ext cx="1045800" cy="514800"/>
-          </a:xfrm>
-          <a:prstGeom prst="straightConnector1">
-            <a:avLst/>
-          </a:prstGeom>
-          <a:ln w="57150">
-            <a:solidFill>
-              <a:srgbClr val="3c81f2"/>
-            </a:solidFill>
-            <a:round/>
-            <a:tailEnd len="med" type="triangle" w="med"/>
-          </a:ln>
-        </p:spPr>
-      </p:cxnSp>
-    </p:spTree>
-  </p:cSld>
-  <mc:AlternateContent>
-    <mc:Choice Requires="p14">
-      <p:transition spd="slow" p14:dur="2000"/>
-    </mc:Choice>
-    <mc:Fallback>
-      <p:transition spd="slow"/>
-    </mc:Fallback>
-  </mc:AlternateContent>
-</p:sld>
-</file>
-
-<file path=ppt/slides/slide17.xml><?xml version="1.0" encoding="utf-8"?>
-<p:sld xmlns:a="http://schemas.openxmlformats.org/drawingml/2006/main" xmlns:p="http://schemas.openxmlformats.org/presentationml/2006/main" xmlns:r="http://schemas.openxmlformats.org/officeDocument/2006/relationships" xmlns:p14="http://schemas.microsoft.com/office/powerpoint/2010/main" xmlns:p15="http://schemas.microsoft.com/office/powerpoint/2012/main" xmlns:mc="http://schemas.openxmlformats.org/markup-compatibility/2006">
-  <p:cSld>
-    <p:spTree>
-      <p:nvGrpSpPr>
-        <p:cNvPr id="1" name=""/>
-        <p:cNvGrpSpPr/>
-        <p:nvPr/>
-      </p:nvGrpSpPr>
-      <p:grpSpPr>
-        <a:xfrm>
-          <a:off x="0" y="0"/>
-          <a:ext cx="0" cy="0"/>
-          <a:chOff x="0" y="0"/>
-          <a:chExt cx="0" cy="0"/>
-        </a:xfrm>
-      </p:grpSpPr>
-      <p:sp>
-        <p:nvSpPr>
-          <p:cNvPr id="164" name="PlaceHolder 1"/>
-          <p:cNvSpPr>
-            <a:spLocks noGrp="1"/>
-          </p:cNvSpPr>
-          <p:nvPr>
-            <p:ph type="title"/>
-          </p:nvPr>
-        </p:nvSpPr>
-        <p:spPr>
-          <a:xfrm>
-            <a:off x="360000" y="108000"/>
-            <a:ext cx="8519760" cy="1332000"/>
-          </a:xfrm>
-          <a:prstGeom prst="rect">
-            <a:avLst/>
-          </a:prstGeom>
-          <a:noFill/>
-          <a:ln w="0">
-            <a:noFill/>
-          </a:ln>
-        </p:spPr>
-        <p:txBody>
-          <a:bodyPr lIns="0" rIns="0" tIns="0" bIns="0" anchor="ctr">
-            <a:noAutofit/>
-          </a:bodyPr>
-          <a:p>
-            <a:pPr indent="0" algn="ctr">
-              <a:buNone/>
-            </a:pPr>
-            <a:r>
-              <a:rPr b="0" lang="en-IL" sz="4400" spc="-1" strike="noStrike">
-                <a:solidFill>
-                  <a:srgbClr val="000000"/>
-                </a:solidFill>
-                <a:latin typeface="Arial"/>
-              </a:rPr>
-              <a:t>Add board</a:t>
-            </a:r>
-            <a:endParaRPr b="0" lang="en-IL" sz="4400" spc="-1" strike="noStrike">
-              <a:solidFill>
-                <a:srgbClr val="000000"/>
-              </a:solidFill>
-              <a:latin typeface="Arial"/>
-            </a:endParaRPr>
-          </a:p>
-        </p:txBody>
-      </p:sp>
-      <p:sp>
-        <p:nvSpPr>
-          <p:cNvPr id="165" name="PlaceHolder 2"/>
-          <p:cNvSpPr>
-            <a:spLocks noGrp="1"/>
-          </p:cNvSpPr>
-          <p:nvPr>
-            <p:ph/>
-          </p:nvPr>
-        </p:nvSpPr>
-        <p:spPr>
-          <a:xfrm>
-            <a:off x="360000" y="1800000"/>
-            <a:ext cx="8229240" cy="2340000"/>
-          </a:xfrm>
-          <a:prstGeom prst="rect">
-            <a:avLst/>
-          </a:prstGeom>
-          <a:noFill/>
-          <a:ln w="0">
-            <a:noFill/>
-          </a:ln>
-        </p:spPr>
-        <p:txBody>
-          <a:bodyPr lIns="0" rIns="0" tIns="0" bIns="0" anchor="t">
-            <a:normAutofit/>
-          </a:bodyPr>
-          <a:p>
-            <a:pPr indent="0">
-              <a:lnSpc>
-                <a:spcPct val="100000"/>
-              </a:lnSpc>
-              <a:buNone/>
-            </a:pPr>
-            <a:endParaRPr b="0" lang="en-IL" sz="1800" spc="-1" strike="noStrike">
-              <a:solidFill>
-                <a:srgbClr val="000000"/>
-              </a:solidFill>
-              <a:latin typeface="Arial"/>
-            </a:endParaRPr>
-          </a:p>
-          <a:p>
-            <a:pPr indent="-216000">
-              <a:lnSpc>
-                <a:spcPct val="100000"/>
-              </a:lnSpc>
-              <a:buClr>
-                <a:srgbClr val="000000"/>
-              </a:buClr>
-              <a:buFont typeface="OpenSymbol"/>
-              <a:buAutoNum type="arabicPlain"/>
-            </a:pPr>
-            <a:r>
-              <a:rPr b="0" lang="en-IL" sz="1800" spc="-1" strike="noStrike">
-                <a:solidFill>
-                  <a:srgbClr val="000000"/>
-                </a:solidFill>
-                <a:latin typeface="Arial"/>
-              </a:rPr>
-              <a:t>From the boards page click create</a:t>
-            </a:r>
-            <a:endParaRPr b="0" lang="en-IL" sz="1800" spc="-1" strike="noStrike">
-              <a:solidFill>
-                <a:srgbClr val="000000"/>
-              </a:solidFill>
-              <a:latin typeface="Arial"/>
-            </a:endParaRPr>
-          </a:p>
-          <a:p>
-            <a:pPr indent="-216000">
-              <a:lnSpc>
-                <a:spcPct val="100000"/>
-              </a:lnSpc>
-              <a:buClr>
-                <a:srgbClr val="000000"/>
-              </a:buClr>
-              <a:buFont typeface="OpenSymbol"/>
-              <a:buAutoNum type="arabicPlain"/>
-            </a:pPr>
-            <a:r>
-              <a:rPr b="0" lang="en-IL" sz="1800" spc="-1" strike="noStrike">
-                <a:solidFill>
-                  <a:srgbClr val="000000"/>
-                </a:solidFill>
-                <a:latin typeface="Arial"/>
-              </a:rPr>
-              <a:t>Enter name, visibility, background image</a:t>
-            </a:r>
-            <a:endParaRPr b="0" lang="en-IL" sz="1800" spc="-1" strike="noStrike">
-              <a:solidFill>
-                <a:srgbClr val="000000"/>
-              </a:solidFill>
-              <a:latin typeface="Arial"/>
-            </a:endParaRPr>
-          </a:p>
-          <a:p>
-            <a:pPr indent="-216000">
-              <a:lnSpc>
-                <a:spcPct val="100000"/>
-              </a:lnSpc>
-              <a:buClr>
-                <a:srgbClr val="000000"/>
-              </a:buClr>
-              <a:buFont typeface="OpenSymbol"/>
-              <a:buAutoNum type="arabicPlain"/>
-            </a:pPr>
-            <a:r>
-              <a:rPr b="0" lang="en-IL" sz="1800" spc="-1" strike="noStrike">
-                <a:solidFill>
-                  <a:srgbClr val="000000"/>
-                </a:solidFill>
-                <a:latin typeface="Arial"/>
-              </a:rPr>
-              <a:t>Click create</a:t>
-            </a:r>
-            <a:endParaRPr b="0" lang="en-IL" sz="1800" spc="-1" strike="noStrike">
-              <a:solidFill>
-                <a:srgbClr val="000000"/>
-              </a:solidFill>
-              <a:latin typeface="Arial"/>
-            </a:endParaRPr>
-          </a:p>
-          <a:p>
-            <a:pPr indent="0">
-              <a:lnSpc>
-                <a:spcPct val="100000"/>
-              </a:lnSpc>
-              <a:buNone/>
-            </a:pPr>
-            <a:endParaRPr b="0" lang="en-IL" sz="1800" spc="-1" strike="noStrike">
-              <a:solidFill>
-                <a:srgbClr val="000000"/>
-              </a:solidFill>
-              <a:latin typeface="Arial"/>
-            </a:endParaRPr>
-          </a:p>
-          <a:p>
-            <a:pPr indent="0">
-              <a:lnSpc>
-                <a:spcPct val="100000"/>
-              </a:lnSpc>
-              <a:buNone/>
-            </a:pPr>
-            <a:endParaRPr b="0" lang="en-IL" sz="1800" spc="-1" strike="noStrike">
-              <a:solidFill>
-                <a:srgbClr val="000000"/>
-              </a:solidFill>
-              <a:latin typeface="Arial"/>
-            </a:endParaRPr>
-          </a:p>
-        </p:txBody>
-      </p:sp>
-    </p:spTree>
-  </p:cSld>
-  <mc:AlternateContent>
-    <mc:Choice Requires="p14">
-      <p:transition spd="slow" p14:dur="2000"/>
-    </mc:Choice>
-    <mc:Fallback>
-      <p:transition spd="slow"/>
-    </mc:Fallback>
-  </mc:AlternateContent>
-</p:sld>
-</file>
-
-<file path=ppt/slides/slide18.xml><?xml version="1.0" encoding="utf-8"?>
-<p:sld xmlns:a="http://schemas.openxmlformats.org/drawingml/2006/main" xmlns:p="http://schemas.openxmlformats.org/presentationml/2006/main" xmlns:r="http://schemas.openxmlformats.org/officeDocument/2006/relationships" xmlns:p14="http://schemas.microsoft.com/office/powerpoint/2010/main" xmlns:p15="http://schemas.microsoft.com/office/powerpoint/2012/main" xmlns:mc="http://schemas.openxmlformats.org/markup-compatibility/2006">
-  <p:cSld>
-    <p:spTree>
-      <p:nvGrpSpPr>
-        <p:cNvPr id="1" name=""/>
-        <p:cNvGrpSpPr/>
-        <p:nvPr/>
-      </p:nvGrpSpPr>
-      <p:grpSpPr>
-        <a:xfrm>
-          <a:off x="0" y="0"/>
-          <a:ext cx="0" cy="0"/>
-          <a:chOff x="0" y="0"/>
-          <a:chExt cx="0" cy="0"/>
-        </a:xfrm>
-      </p:grpSpPr>
-      <p:sp>
-        <p:nvSpPr>
-          <p:cNvPr id="166" name="PlaceHolder 1"/>
-          <p:cNvSpPr>
-            <a:spLocks noGrp="1"/>
-          </p:cNvSpPr>
-          <p:nvPr>
-            <p:ph type="title"/>
-          </p:nvPr>
-        </p:nvSpPr>
-        <p:spPr>
-          <a:xfrm>
-            <a:off x="153720" y="393840"/>
-            <a:ext cx="8519760" cy="291960"/>
-          </a:xfrm>
-          <a:prstGeom prst="rect">
-            <a:avLst/>
-          </a:prstGeom>
-          <a:noFill/>
-          <a:ln w="0">
-            <a:noFill/>
-          </a:ln>
-        </p:spPr>
-        <p:txBody>
-          <a:bodyPr lIns="91440" rIns="91440" tIns="91440" bIns="91440" anchor="b">
-            <a:noAutofit/>
-          </a:bodyPr>
-          <a:p>
-            <a:pPr indent="0">
-              <a:lnSpc>
-                <a:spcPct val="100000"/>
-              </a:lnSpc>
-              <a:buNone/>
-              <a:tabLst>
-                <a:tab algn="l" pos="0"/>
-              </a:tabLst>
-            </a:pPr>
-            <a:r>
-              <a:rPr b="0" lang="en-IL" sz="3600" spc="-1" strike="noStrike">
-                <a:solidFill>
-                  <a:schemeClr val="dk1"/>
-                </a:solidFill>
-                <a:latin typeface="Arial"/>
-                <a:ea typeface="Arial"/>
-              </a:rPr>
-              <a:t>Flow</a:t>
-            </a:r>
-            <a:endParaRPr b="0" lang="en-IL" sz="3600" spc="-1" strike="noStrike">
-              <a:solidFill>
-                <a:srgbClr val="000000"/>
-              </a:solidFill>
-              <a:latin typeface="Arial"/>
-            </a:endParaRPr>
-          </a:p>
-        </p:txBody>
-      </p:sp>
-      <p:sp>
-        <p:nvSpPr>
-          <p:cNvPr id="167" name="PlaceHolder 2"/>
-          <p:cNvSpPr>
-            <a:spLocks noGrp="1"/>
-          </p:cNvSpPr>
-          <p:nvPr>
-            <p:ph type="subTitle"/>
-          </p:nvPr>
-        </p:nvSpPr>
-        <p:spPr>
-          <a:xfrm>
-            <a:off x="311760" y="2834280"/>
-            <a:ext cx="8519760" cy="792000"/>
-          </a:xfrm>
-          <a:prstGeom prst="rect">
-            <a:avLst/>
-          </a:prstGeom>
-          <a:noFill/>
-          <a:ln w="0">
-            <a:noFill/>
-          </a:ln>
-        </p:spPr>
-        <p:txBody>
-          <a:bodyPr lIns="91440" rIns="91440" tIns="91440" bIns="91440" anchor="t">
-            <a:normAutofit/>
-          </a:bodyPr>
-          <a:p>
-            <a:pPr indent="0" algn="ctr">
-              <a:buNone/>
-            </a:pPr>
-            <a:endParaRPr b="0" lang="en-IL" sz="1800" spc="-1" strike="noStrike">
-              <a:solidFill>
-                <a:srgbClr val="000000"/>
-              </a:solidFill>
-              <a:latin typeface="Arial"/>
-            </a:endParaRPr>
-          </a:p>
-        </p:txBody>
-      </p:sp>
-    </p:spTree>
-  </p:cSld>
-  <mc:AlternateContent>
-    <mc:Choice Requires="p14">
-      <p:transition spd="slow" p14:dur="2000"/>
-    </mc:Choice>
-    <mc:Fallback>
-      <p:transition spd="slow"/>
-    </mc:Fallback>
-  </mc:AlternateContent>
-</p:sld>
-</file>
-
-<file path=ppt/slides/slide19.xml><?xml version="1.0" encoding="utf-8"?>
-<p:sld xmlns:a="http://schemas.openxmlformats.org/drawingml/2006/main" xmlns:p="http://schemas.openxmlformats.org/presentationml/2006/main" xmlns:r="http://schemas.openxmlformats.org/officeDocument/2006/relationships" xmlns:p14="http://schemas.microsoft.com/office/powerpoint/2010/main" xmlns:p15="http://schemas.microsoft.com/office/powerpoint/2012/main" xmlns:mc="http://schemas.openxmlformats.org/markup-compatibility/2006">
-  <p:cSld>
-    <p:spTree>
-      <p:nvGrpSpPr>
-        <p:cNvPr id="1" name=""/>
-        <p:cNvGrpSpPr/>
-        <p:nvPr/>
-      </p:nvGrpSpPr>
-      <p:grpSpPr>
-        <a:xfrm>
-          <a:off x="0" y="0"/>
-          <a:ext cx="0" cy="0"/>
-          <a:chOff x="0" y="0"/>
-          <a:chExt cx="0" cy="0"/>
-        </a:xfrm>
-      </p:grpSpPr>
-      <p:sp>
-        <p:nvSpPr>
-          <p:cNvPr id="168" name="PlaceHolder 1"/>
-          <p:cNvSpPr>
-            <a:spLocks noGrp="1"/>
-          </p:cNvSpPr>
-          <p:nvPr>
-            <p:ph type="title"/>
-          </p:nvPr>
-        </p:nvSpPr>
-        <p:spPr>
-          <a:xfrm>
             <a:off x="300240" y="720000"/>
-            <a:ext cx="8519760" cy="1260000"/>
+            <a:ext cx="8519040" cy="1259280"/>
           </a:xfrm>
           <a:prstGeom prst="rect">
             <a:avLst/>
@@ -7783,28 +6652,39 @@
       </p:sp>
       <p:sp>
         <p:nvSpPr>
-          <p:cNvPr id="169" name=""/>
-          <p:cNvSpPr txBox="1"/>
+          <p:cNvPr id="135" name=""/>
+          <p:cNvSpPr/>
           <p:nvPr/>
         </p:nvSpPr>
         <p:spPr>
           <a:xfrm>
             <a:off x="1440000" y="2520000"/>
-            <a:ext cx="4320000" cy="1260000"/>
-          </a:xfrm>
-          <a:prstGeom prst="rect">
-            <a:avLst/>
-          </a:prstGeom>
-          <a:noFill/>
-          <a:ln w="0">
-            <a:noFill/>
-          </a:ln>
-        </p:spPr>
+            <a:ext cx="4319280" cy="1259280"/>
+          </a:xfrm>
+          <a:prstGeom prst="rect">
+            <a:avLst/>
+          </a:prstGeom>
+          <a:noFill/>
+          <a:ln w="0">
+            <a:noFill/>
+          </a:ln>
+        </p:spPr>
+        <p:style>
+          <a:lnRef idx="0"/>
+          <a:fillRef idx="0"/>
+          <a:effectRef idx="0"/>
+          <a:fontRef idx="minor"/>
+        </p:style>
         <p:txBody>
           <a:bodyPr lIns="90000" rIns="90000" tIns="45000" bIns="45000" anchor="t">
             <a:noAutofit/>
           </a:bodyPr>
           <a:p>
+            <a:pPr>
+              <a:lnSpc>
+                <a:spcPct val="100000"/>
+              </a:lnSpc>
+            </a:pPr>
             <a:r>
               <a:rPr b="0" lang="en-IL" sz="1800" spc="-1" strike="noStrike">
                 <a:solidFill>
@@ -7816,7 +6696,7 @@
             </a:r>
             <a:endParaRPr b="0" lang="en-IL" sz="1800" spc="-1" strike="noStrike">
               <a:solidFill>
-                <a:srgbClr val="000000"/>
+                <a:srgbClr val="bf0041"/>
               </a:solidFill>
               <a:latin typeface="Arial"/>
             </a:endParaRPr>
@@ -7866,7 +6746,7 @@
         <p:spPr>
           <a:xfrm>
             <a:off x="153720" y="1729800"/>
-            <a:ext cx="8519760" cy="840960"/>
+            <a:ext cx="8519040" cy="840240"/>
           </a:xfrm>
           <a:prstGeom prst="rect">
             <a:avLst/>
@@ -7952,7 +6832,7 @@
         <p:spPr>
           <a:xfrm>
             <a:off x="1346040" y="2880"/>
-            <a:ext cx="7797600" cy="5142960"/>
+            <a:ext cx="7796880" cy="5142240"/>
           </a:xfrm>
           <a:prstGeom prst="rect">
             <a:avLst/>
@@ -7975,7 +6855,7 @@
         <p:spPr>
           <a:xfrm>
             <a:off x="0" y="360000"/>
-            <a:ext cx="1619640" cy="1259640"/>
+            <a:ext cx="1618920" cy="1258920"/>
           </a:xfrm>
           <a:prstGeom prst="rect">
             <a:avLst/>
@@ -8027,7 +6907,7 @@
         <p:spPr>
           <a:xfrm>
             <a:off x="2880000" y="2880"/>
-            <a:ext cx="539640" cy="356760"/>
+            <a:ext cx="538920" cy="356040"/>
           </a:xfrm>
           <a:prstGeom prst="rect">
             <a:avLst/>
@@ -8074,7 +6954,7 @@
         <p:spPr>
           <a:xfrm>
             <a:off x="3420000" y="2880"/>
-            <a:ext cx="539640" cy="356760"/>
+            <a:ext cx="538920" cy="356040"/>
           </a:xfrm>
           <a:prstGeom prst="rect">
             <a:avLst/>
@@ -8121,7 +7001,7 @@
         <p:spPr>
           <a:xfrm>
             <a:off x="4680000" y="2880"/>
-            <a:ext cx="539640" cy="356760"/>
+            <a:ext cx="538920" cy="356040"/>
           </a:xfrm>
           <a:prstGeom prst="rect">
             <a:avLst/>
@@ -8167,8 +7047,8 @@
         </p:nvSpPr>
         <p:spPr>
           <a:xfrm>
-            <a:off x="7200000" y="2880"/>
-            <a:ext cx="1259640" cy="356760"/>
+            <a:off x="8820000" y="2880"/>
+            <a:ext cx="358920" cy="356040"/>
           </a:xfrm>
           <a:prstGeom prst="rect">
             <a:avLst/>
@@ -8214,8 +7094,8 @@
         </p:nvSpPr>
         <p:spPr>
           <a:xfrm>
-            <a:off x="8820000" y="2880"/>
-            <a:ext cx="359640" cy="356760"/>
+            <a:off x="1800000" y="540000"/>
+            <a:ext cx="718920" cy="178920"/>
           </a:xfrm>
           <a:prstGeom prst="rect">
             <a:avLst/>
@@ -8262,7 +7142,7 @@
         <p:spPr>
           <a:xfrm>
             <a:off x="1800000" y="540000"/>
-            <a:ext cx="719640" cy="179640"/>
+            <a:ext cx="718920" cy="178920"/>
           </a:xfrm>
           <a:prstGeom prst="rect">
             <a:avLst/>
@@ -8308,8 +7188,8 @@
         </p:nvSpPr>
         <p:spPr>
           <a:xfrm>
-            <a:off x="1800000" y="540000"/>
-            <a:ext cx="719640" cy="179640"/>
+            <a:off x="3420000" y="540000"/>
+            <a:ext cx="5398920" cy="4605120"/>
           </a:xfrm>
           <a:prstGeom prst="rect">
             <a:avLst/>
@@ -8355,8 +7235,8 @@
         </p:nvSpPr>
         <p:spPr>
           <a:xfrm>
-            <a:off x="3420000" y="540000"/>
-            <a:ext cx="5399640" cy="4605840"/>
+            <a:off x="1620000" y="0"/>
+            <a:ext cx="538920" cy="356040"/>
           </a:xfrm>
           <a:prstGeom prst="rect">
             <a:avLst/>
@@ -8402,8 +7282,8 @@
         </p:nvSpPr>
         <p:spPr>
           <a:xfrm>
-            <a:off x="1620000" y="0"/>
-            <a:ext cx="539640" cy="356760"/>
+            <a:off x="1346040" y="-32760"/>
+            <a:ext cx="7797240" cy="572040"/>
           </a:xfrm>
           <a:prstGeom prst="rect">
             <a:avLst/>
@@ -8411,7 +7291,7 @@
           <a:noFill/>
           <a:ln w="36000">
             <a:solidFill>
-              <a:srgbClr val="bf0041"/>
+              <a:srgbClr val="3465a4"/>
             </a:solidFill>
             <a:round/>
           </a:ln>
@@ -8432,48 +7312,6 @@
                 <a:spcPct val="100000"/>
               </a:lnSpc>
             </a:pPr>
-            <a:endParaRPr b="0" lang="en-IL" sz="2400" spc="-1" strike="noStrike">
-              <a:solidFill>
-                <a:srgbClr val="000000"/>
-              </a:solidFill>
-              <a:latin typeface="Arial"/>
-            </a:endParaRPr>
-          </a:p>
-        </p:txBody>
-      </p:sp>
-      <p:sp>
-        <p:nvSpPr>
-          <p:cNvPr id="92" name=""/>
-          <p:cNvSpPr/>
-          <p:nvPr/>
-        </p:nvSpPr>
-        <p:spPr>
-          <a:xfrm>
-            <a:off x="1346040" y="-32760"/>
-            <a:ext cx="7797960" cy="572760"/>
-          </a:xfrm>
-          <a:prstGeom prst="rect">
-            <a:avLst/>
-          </a:prstGeom>
-          <a:noFill/>
-          <a:ln w="36000">
-            <a:solidFill>
-              <a:srgbClr val="3465a4"/>
-            </a:solidFill>
-            <a:round/>
-          </a:ln>
-        </p:spPr>
-        <p:style>
-          <a:lnRef idx="0"/>
-          <a:fillRef idx="0"/>
-          <a:effectRef idx="0"/>
-          <a:fontRef idx="minor"/>
-        </p:style>
-        <p:txBody>
-          <a:bodyPr lIns="90000" rIns="90000" tIns="45000" bIns="45000" anchor="ctr">
-            <a:noAutofit/>
-          </a:bodyPr>
-          <a:p>
             <a:endParaRPr b="0" lang="en-IL" sz="2400" spc="-1" strike="noStrike">
               <a:solidFill>
                 <a:srgbClr val="000000"/>
@@ -8515,7 +7353,7 @@
       </p:grpSpPr>
       <p:pic>
         <p:nvPicPr>
-          <p:cNvPr id="93" name="" descr=""/>
+          <p:cNvPr id="92" name="" descr=""/>
           <p:cNvPicPr/>
           <p:nvPr/>
         </p:nvPicPr>
@@ -8526,7 +7364,7 @@
         <p:spPr>
           <a:xfrm>
             <a:off x="3420000" y="103680"/>
-            <a:ext cx="2257200" cy="5040000"/>
+            <a:ext cx="2256480" cy="5039280"/>
           </a:xfrm>
           <a:prstGeom prst="rect">
             <a:avLst/>
@@ -8538,7 +7376,7 @@
       </p:pic>
       <p:sp>
         <p:nvSpPr>
-          <p:cNvPr id="94" name="PlaceHolder 1"/>
+          <p:cNvPr id="93" name="PlaceHolder 1"/>
           <p:cNvSpPr>
             <a:spLocks noGrp="1"/>
           </p:cNvSpPr>
@@ -8549,7 +7387,7 @@
         <p:spPr>
           <a:xfrm>
             <a:off x="0" y="360000"/>
-            <a:ext cx="1619640" cy="1259640"/>
+            <a:ext cx="1618920" cy="1258920"/>
           </a:xfrm>
           <a:prstGeom prst="rect">
             <a:avLst/>
@@ -8597,14 +7435,14 @@
       </p:sp>
       <p:sp>
         <p:nvSpPr>
-          <p:cNvPr id="95" name=""/>
+          <p:cNvPr id="94" name=""/>
           <p:cNvSpPr/>
           <p:nvPr/>
         </p:nvSpPr>
         <p:spPr>
           <a:xfrm>
             <a:off x="3600000" y="360000"/>
-            <a:ext cx="1800000" cy="3060000"/>
+            <a:ext cx="1799280" cy="3059280"/>
           </a:xfrm>
           <a:prstGeom prst="rect">
             <a:avLst/>
@@ -8628,6 +7466,11 @@
             <a:noAutofit/>
           </a:bodyPr>
           <a:p>
+            <a:pPr>
+              <a:lnSpc>
+                <a:spcPct val="100000"/>
+              </a:lnSpc>
+            </a:pPr>
             <a:endParaRPr b="0" lang="en-IL" sz="2400" spc="-1" strike="noStrike">
               <a:solidFill>
                 <a:srgbClr val="000000"/>
@@ -8639,14 +7482,14 @@
       </p:sp>
       <p:sp>
         <p:nvSpPr>
-          <p:cNvPr id="96" name=""/>
+          <p:cNvPr id="95" name=""/>
           <p:cNvSpPr/>
           <p:nvPr/>
         </p:nvSpPr>
         <p:spPr>
           <a:xfrm>
             <a:off x="3600000" y="4140000"/>
-            <a:ext cx="1800000" cy="360000"/>
+            <a:ext cx="1799280" cy="359280"/>
           </a:xfrm>
           <a:prstGeom prst="rect">
             <a:avLst/>
@@ -8670,6 +7513,11 @@
             <a:noAutofit/>
           </a:bodyPr>
           <a:p>
+            <a:pPr>
+              <a:lnSpc>
+                <a:spcPct val="100000"/>
+              </a:lnSpc>
+            </a:pPr>
             <a:endParaRPr b="0" lang="en-IL" sz="2400" spc="-1" strike="noStrike">
               <a:solidFill>
                 <a:srgbClr val="000000"/>
@@ -8711,7 +7559,7 @@
       </p:grpSpPr>
       <p:pic>
         <p:nvPicPr>
-          <p:cNvPr id="97" name="" descr=""/>
+          <p:cNvPr id="96" name="" descr=""/>
           <p:cNvPicPr/>
           <p:nvPr/>
         </p:nvPicPr>
@@ -8722,7 +7570,7 @@
         <p:spPr>
           <a:xfrm>
             <a:off x="1298880" y="0"/>
-            <a:ext cx="7844760" cy="5142960"/>
+            <a:ext cx="7844040" cy="5142240"/>
           </a:xfrm>
           <a:prstGeom prst="rect">
             <a:avLst/>
@@ -8734,7 +7582,7 @@
       </p:pic>
       <p:sp>
         <p:nvSpPr>
-          <p:cNvPr id="98" name="PlaceHolder 1"/>
+          <p:cNvPr id="97" name="PlaceHolder 1"/>
           <p:cNvSpPr>
             <a:spLocks noGrp="1"/>
           </p:cNvSpPr>
@@ -8745,7 +7593,7 @@
         <p:spPr>
           <a:xfrm>
             <a:off x="0" y="720000"/>
-            <a:ext cx="1619640" cy="1259640"/>
+            <a:ext cx="1618920" cy="1258920"/>
           </a:xfrm>
           <a:prstGeom prst="rect">
             <a:avLst/>
@@ -8790,14 +7638,14 @@
       </p:sp>
       <p:sp>
         <p:nvSpPr>
-          <p:cNvPr id="99" name=""/>
+          <p:cNvPr id="98" name=""/>
           <p:cNvSpPr/>
           <p:nvPr/>
         </p:nvSpPr>
         <p:spPr>
           <a:xfrm>
-            <a:off x="2880000" y="2880"/>
-            <a:ext cx="539640" cy="356760"/>
+            <a:off x="4680000" y="2880"/>
+            <a:ext cx="538920" cy="356040"/>
           </a:xfrm>
           <a:prstGeom prst="rect">
             <a:avLst/>
@@ -8837,14 +7685,14 @@
       </p:sp>
       <p:sp>
         <p:nvSpPr>
-          <p:cNvPr id="100" name=""/>
+          <p:cNvPr id="99" name=""/>
           <p:cNvSpPr/>
           <p:nvPr/>
         </p:nvSpPr>
         <p:spPr>
           <a:xfrm>
-            <a:off x="3420000" y="2880"/>
-            <a:ext cx="539640" cy="356760"/>
+            <a:off x="8820000" y="2880"/>
+            <a:ext cx="358920" cy="356040"/>
           </a:xfrm>
           <a:prstGeom prst="rect">
             <a:avLst/>
@@ -8884,14 +7732,14 @@
       </p:sp>
       <p:sp>
         <p:nvSpPr>
-          <p:cNvPr id="101" name=""/>
+          <p:cNvPr id="100" name=""/>
           <p:cNvSpPr/>
           <p:nvPr/>
         </p:nvSpPr>
         <p:spPr>
           <a:xfrm>
-            <a:off x="4680000" y="2880"/>
-            <a:ext cx="539640" cy="356760"/>
+            <a:off x="2880000" y="720000"/>
+            <a:ext cx="6262920" cy="4318920"/>
           </a:xfrm>
           <a:prstGeom prst="rect">
             <a:avLst/>
@@ -8931,14 +7779,14 @@
       </p:sp>
       <p:sp>
         <p:nvSpPr>
-          <p:cNvPr id="102" name=""/>
+          <p:cNvPr id="101" name=""/>
           <p:cNvSpPr/>
           <p:nvPr/>
         </p:nvSpPr>
         <p:spPr>
           <a:xfrm>
-            <a:off x="7200000" y="2880"/>
-            <a:ext cx="1259640" cy="356760"/>
+            <a:off x="1620000" y="0"/>
+            <a:ext cx="538920" cy="356040"/>
           </a:xfrm>
           <a:prstGeom prst="rect">
             <a:avLst/>
@@ -8978,14 +7826,14 @@
       </p:sp>
       <p:sp>
         <p:nvSpPr>
-          <p:cNvPr id="103" name=""/>
+          <p:cNvPr id="102" name=""/>
           <p:cNvSpPr/>
           <p:nvPr/>
         </p:nvSpPr>
         <p:spPr>
           <a:xfrm>
-            <a:off x="8820000" y="2880"/>
-            <a:ext cx="359640" cy="356760"/>
+            <a:off x="2880000" y="360000"/>
+            <a:ext cx="2159280" cy="358920"/>
           </a:xfrm>
           <a:prstGeom prst="rect">
             <a:avLst/>
@@ -9025,14 +7873,14 @@
       </p:sp>
       <p:sp>
         <p:nvSpPr>
-          <p:cNvPr id="104" name=""/>
+          <p:cNvPr id="103" name=""/>
           <p:cNvSpPr/>
           <p:nvPr/>
         </p:nvSpPr>
         <p:spPr>
           <a:xfrm>
-            <a:off x="1334880" y="1980000"/>
-            <a:ext cx="1544760" cy="719640"/>
+            <a:off x="7560000" y="360000"/>
+            <a:ext cx="538920" cy="356040"/>
           </a:xfrm>
           <a:prstGeom prst="rect">
             <a:avLst/>
@@ -9072,249 +7920,14 @@
       </p:sp>
       <p:sp>
         <p:nvSpPr>
-          <p:cNvPr id="105" name=""/>
+          <p:cNvPr id="104" name=""/>
           <p:cNvSpPr/>
           <p:nvPr/>
         </p:nvSpPr>
         <p:spPr>
           <a:xfrm>
-            <a:off x="1334880" y="720000"/>
-            <a:ext cx="719640" cy="179640"/>
-          </a:xfrm>
-          <a:prstGeom prst="rect">
-            <a:avLst/>
-          </a:prstGeom>
-          <a:noFill/>
-          <a:ln w="36000">
-            <a:solidFill>
-              <a:srgbClr val="bf0041"/>
-            </a:solidFill>
-            <a:round/>
-          </a:ln>
-        </p:spPr>
-        <p:style>
-          <a:lnRef idx="0"/>
-          <a:fillRef idx="0"/>
-          <a:effectRef idx="0"/>
-          <a:fontRef idx="minor"/>
-        </p:style>
-        <p:txBody>
-          <a:bodyPr lIns="90000" rIns="90000" tIns="45000" bIns="45000" anchor="ctr">
-            <a:noAutofit/>
-          </a:bodyPr>
-          <a:p>
-            <a:pPr>
-              <a:lnSpc>
-                <a:spcPct val="100000"/>
-              </a:lnSpc>
-            </a:pPr>
-            <a:endParaRPr b="0" lang="en-IL" sz="2400" spc="-1" strike="noStrike">
-              <a:solidFill>
-                <a:srgbClr val="000000"/>
-              </a:solidFill>
-              <a:latin typeface="Arial"/>
-            </a:endParaRPr>
-          </a:p>
-        </p:txBody>
-      </p:sp>
-      <p:sp>
-        <p:nvSpPr>
-          <p:cNvPr id="106" name=""/>
-          <p:cNvSpPr/>
-          <p:nvPr/>
-        </p:nvSpPr>
-        <p:spPr>
-          <a:xfrm>
-            <a:off x="2880000" y="720000"/>
-            <a:ext cx="6263640" cy="4319640"/>
-          </a:xfrm>
-          <a:prstGeom prst="rect">
-            <a:avLst/>
-          </a:prstGeom>
-          <a:noFill/>
-          <a:ln w="36000">
-            <a:solidFill>
-              <a:srgbClr val="bf0041"/>
-            </a:solidFill>
-            <a:round/>
-          </a:ln>
-        </p:spPr>
-        <p:style>
-          <a:lnRef idx="0"/>
-          <a:fillRef idx="0"/>
-          <a:effectRef idx="0"/>
-          <a:fontRef idx="minor"/>
-        </p:style>
-        <p:txBody>
-          <a:bodyPr lIns="90000" rIns="90000" tIns="45000" bIns="45000" anchor="ctr">
-            <a:noAutofit/>
-          </a:bodyPr>
-          <a:p>
-            <a:pPr>
-              <a:lnSpc>
-                <a:spcPct val="100000"/>
-              </a:lnSpc>
-            </a:pPr>
-            <a:endParaRPr b="0" lang="en-IL" sz="2400" spc="-1" strike="noStrike">
-              <a:solidFill>
-                <a:srgbClr val="000000"/>
-              </a:solidFill>
-              <a:latin typeface="Arial"/>
-            </a:endParaRPr>
-          </a:p>
-        </p:txBody>
-      </p:sp>
-      <p:sp>
-        <p:nvSpPr>
-          <p:cNvPr id="107" name=""/>
-          <p:cNvSpPr/>
-          <p:nvPr/>
-        </p:nvSpPr>
-        <p:spPr>
-          <a:xfrm>
-            <a:off x="1620000" y="0"/>
-            <a:ext cx="539640" cy="356760"/>
-          </a:xfrm>
-          <a:prstGeom prst="rect">
-            <a:avLst/>
-          </a:prstGeom>
-          <a:noFill/>
-          <a:ln w="36000">
-            <a:solidFill>
-              <a:srgbClr val="bf0041"/>
-            </a:solidFill>
-            <a:round/>
-          </a:ln>
-        </p:spPr>
-        <p:style>
-          <a:lnRef idx="0"/>
-          <a:fillRef idx="0"/>
-          <a:effectRef idx="0"/>
-          <a:fontRef idx="minor"/>
-        </p:style>
-        <p:txBody>
-          <a:bodyPr lIns="90000" rIns="90000" tIns="45000" bIns="45000" anchor="ctr">
-            <a:noAutofit/>
-          </a:bodyPr>
-          <a:p>
-            <a:pPr>
-              <a:lnSpc>
-                <a:spcPct val="100000"/>
-              </a:lnSpc>
-            </a:pPr>
-            <a:endParaRPr b="0" lang="en-IL" sz="2400" spc="-1" strike="noStrike">
-              <a:solidFill>
-                <a:srgbClr val="000000"/>
-              </a:solidFill>
-              <a:latin typeface="Arial"/>
-            </a:endParaRPr>
-          </a:p>
-        </p:txBody>
-      </p:sp>
-      <p:sp>
-        <p:nvSpPr>
-          <p:cNvPr id="108" name=""/>
-          <p:cNvSpPr/>
-          <p:nvPr/>
-        </p:nvSpPr>
-        <p:spPr>
-          <a:xfrm>
-            <a:off x="2880000" y="360000"/>
-            <a:ext cx="2160000" cy="359640"/>
-          </a:xfrm>
-          <a:prstGeom prst="rect">
-            <a:avLst/>
-          </a:prstGeom>
-          <a:noFill/>
-          <a:ln w="36000">
-            <a:solidFill>
-              <a:srgbClr val="bf0041"/>
-            </a:solidFill>
-            <a:round/>
-          </a:ln>
-        </p:spPr>
-        <p:style>
-          <a:lnRef idx="0"/>
-          <a:fillRef idx="0"/>
-          <a:effectRef idx="0"/>
-          <a:fontRef idx="minor"/>
-        </p:style>
-        <p:txBody>
-          <a:bodyPr lIns="90000" rIns="90000" tIns="45000" bIns="45000" anchor="ctr">
-            <a:noAutofit/>
-          </a:bodyPr>
-          <a:p>
-            <a:pPr>
-              <a:lnSpc>
-                <a:spcPct val="100000"/>
-              </a:lnSpc>
-            </a:pPr>
-            <a:endParaRPr b="0" lang="en-IL" sz="2400" spc="-1" strike="noStrike">
-              <a:solidFill>
-                <a:srgbClr val="000000"/>
-              </a:solidFill>
-              <a:latin typeface="Arial"/>
-            </a:endParaRPr>
-          </a:p>
-        </p:txBody>
-      </p:sp>
-      <p:sp>
-        <p:nvSpPr>
-          <p:cNvPr id="109" name=""/>
-          <p:cNvSpPr/>
-          <p:nvPr/>
-        </p:nvSpPr>
-        <p:spPr>
-          <a:xfrm>
-            <a:off x="7560000" y="360000"/>
-            <a:ext cx="539640" cy="356760"/>
-          </a:xfrm>
-          <a:prstGeom prst="rect">
-            <a:avLst/>
-          </a:prstGeom>
-          <a:noFill/>
-          <a:ln w="36000">
-            <a:solidFill>
-              <a:srgbClr val="bf0041"/>
-            </a:solidFill>
-            <a:round/>
-          </a:ln>
-        </p:spPr>
-        <p:style>
-          <a:lnRef idx="0"/>
-          <a:fillRef idx="0"/>
-          <a:effectRef idx="0"/>
-          <a:fontRef idx="minor"/>
-        </p:style>
-        <p:txBody>
-          <a:bodyPr lIns="90000" rIns="90000" tIns="45000" bIns="45000" anchor="ctr">
-            <a:noAutofit/>
-          </a:bodyPr>
-          <a:p>
-            <a:pPr>
-              <a:lnSpc>
-                <a:spcPct val="100000"/>
-              </a:lnSpc>
-            </a:pPr>
-            <a:endParaRPr b="0" lang="en-IL" sz="2400" spc="-1" strike="noStrike">
-              <a:solidFill>
-                <a:srgbClr val="000000"/>
-              </a:solidFill>
-              <a:latin typeface="Arial"/>
-            </a:endParaRPr>
-          </a:p>
-        </p:txBody>
-      </p:sp>
-      <p:sp>
-        <p:nvSpPr>
-          <p:cNvPr id="110" name=""/>
-          <p:cNvSpPr/>
-          <p:nvPr/>
-        </p:nvSpPr>
-        <p:spPr>
-          <a:xfrm>
             <a:off x="8100000" y="362880"/>
-            <a:ext cx="1043640" cy="356760"/>
+            <a:ext cx="1042920" cy="356040"/>
           </a:xfrm>
           <a:prstGeom prst="rect">
             <a:avLst/>
@@ -9384,7 +7997,7 @@
       </p:grpSpPr>
       <p:pic>
         <p:nvPicPr>
-          <p:cNvPr id="111" name="" descr=""/>
+          <p:cNvPr id="105" name="" descr=""/>
           <p:cNvPicPr/>
           <p:nvPr/>
         </p:nvPicPr>
@@ -9395,7 +8008,7 @@
         <p:spPr>
           <a:xfrm>
             <a:off x="3364560" y="1800"/>
-            <a:ext cx="4735440" cy="5143320"/>
+            <a:ext cx="4734720" cy="5142600"/>
           </a:xfrm>
           <a:prstGeom prst="rect">
             <a:avLst/>
@@ -9407,7 +8020,7 @@
       </p:pic>
       <p:sp>
         <p:nvSpPr>
-          <p:cNvPr id="112" name="PlaceHolder 1"/>
+          <p:cNvPr id="106" name="PlaceHolder 1"/>
           <p:cNvSpPr>
             <a:spLocks noGrp="1"/>
           </p:cNvSpPr>
@@ -9418,7 +8031,7 @@
         <p:spPr>
           <a:xfrm>
             <a:off x="0" y="810720"/>
-            <a:ext cx="1619640" cy="1259640"/>
+            <a:ext cx="1618920" cy="1258920"/>
           </a:xfrm>
           <a:prstGeom prst="rect">
             <a:avLst/>
@@ -9463,166 +8076,40 @@
       </p:sp>
       <p:sp>
         <p:nvSpPr>
-          <p:cNvPr id="113" name=""/>
-          <p:cNvSpPr/>
+          <p:cNvPr id="107" name=""/>
+          <p:cNvSpPr txBox="1"/>
           <p:nvPr/>
         </p:nvSpPr>
         <p:spPr>
           <a:xfrm>
-            <a:off x="6126120" y="939960"/>
-            <a:ext cx="1544760" cy="410760"/>
-          </a:xfrm>
-          <a:prstGeom prst="rect">
-            <a:avLst/>
-          </a:prstGeom>
-          <a:noFill/>
-          <a:ln w="36000">
-            <a:solidFill>
-              <a:srgbClr val="bf0041"/>
-            </a:solidFill>
-            <a:round/>
-          </a:ln>
-        </p:spPr>
-        <p:style>
-          <a:lnRef idx="0"/>
-          <a:fillRef idx="0"/>
-          <a:effectRef idx="0"/>
-          <a:fontRef idx="minor"/>
-        </p:style>
-        <p:txBody>
-          <a:bodyPr lIns="90000" rIns="90000" tIns="45000" bIns="45000" anchor="ctr">
+            <a:off x="6300000" y="4500000"/>
+            <a:ext cx="1260000" cy="346320"/>
+          </a:xfrm>
+          <a:prstGeom prst="rect">
+            <a:avLst/>
+          </a:prstGeom>
+          <a:noFill/>
+          <a:ln w="0">
+            <a:noFill/>
+          </a:ln>
+        </p:spPr>
+        <p:txBody>
+          <a:bodyPr lIns="90000" rIns="90000" tIns="45000" bIns="45000" anchor="t">
             <a:noAutofit/>
           </a:bodyPr>
           <a:p>
-            <a:endParaRPr b="0" lang="en-IL" sz="2400" spc="-1" strike="noStrike">
-              <a:solidFill>
-                <a:srgbClr val="000000"/>
-              </a:solidFill>
-              <a:latin typeface="Arial"/>
-            </a:endParaRPr>
-          </a:p>
-        </p:txBody>
-      </p:sp>
-      <p:sp>
-        <p:nvSpPr>
-          <p:cNvPr id="114" name=""/>
-          <p:cNvSpPr/>
-          <p:nvPr/>
-        </p:nvSpPr>
-        <p:spPr>
-          <a:xfrm>
-            <a:off x="6120000" y="2502000"/>
-            <a:ext cx="1544760" cy="180000"/>
-          </a:xfrm>
-          <a:prstGeom prst="rect">
-            <a:avLst/>
-          </a:prstGeom>
-          <a:noFill/>
-          <a:ln w="36000">
-            <a:solidFill>
-              <a:srgbClr val="bf0041"/>
-            </a:solidFill>
-            <a:round/>
-          </a:ln>
-        </p:spPr>
-        <p:style>
-          <a:lnRef idx="0"/>
-          <a:fillRef idx="0"/>
-          <a:effectRef idx="0"/>
-          <a:fontRef idx="minor"/>
-        </p:style>
-        <p:txBody>
-          <a:bodyPr lIns="90000" rIns="90000" tIns="45000" bIns="45000" anchor="ctr">
-            <a:noAutofit/>
-          </a:bodyPr>
-          <a:p>
-            <a:endParaRPr b="0" lang="en-IL" sz="2400" spc="-1" strike="noStrike">
-              <a:solidFill>
-                <a:srgbClr val="000000"/>
-              </a:solidFill>
-              <a:latin typeface="Arial"/>
-            </a:endParaRPr>
-          </a:p>
-        </p:txBody>
-      </p:sp>
-      <p:sp>
-        <p:nvSpPr>
-          <p:cNvPr id="115" name=""/>
-          <p:cNvSpPr/>
-          <p:nvPr/>
-        </p:nvSpPr>
-        <p:spPr>
-          <a:xfrm>
-            <a:off x="6120000" y="1665360"/>
-            <a:ext cx="1544760" cy="180000"/>
-          </a:xfrm>
-          <a:prstGeom prst="rect">
-            <a:avLst/>
-          </a:prstGeom>
-          <a:noFill/>
-          <a:ln w="36000">
-            <a:solidFill>
-              <a:srgbClr val="bf0041"/>
-            </a:solidFill>
-            <a:round/>
-          </a:ln>
-        </p:spPr>
-        <p:style>
-          <a:lnRef idx="0"/>
-          <a:fillRef idx="0"/>
-          <a:effectRef idx="0"/>
-          <a:fontRef idx="minor"/>
-        </p:style>
-        <p:txBody>
-          <a:bodyPr lIns="90000" rIns="90000" tIns="45000" bIns="45000" anchor="ctr">
-            <a:noAutofit/>
-          </a:bodyPr>
-          <a:p>
-            <a:endParaRPr b="0" lang="en-IL" sz="2400" spc="-1" strike="noStrike">
-              <a:solidFill>
-                <a:srgbClr val="000000"/>
-              </a:solidFill>
-              <a:latin typeface="Arial"/>
-            </a:endParaRPr>
-          </a:p>
-        </p:txBody>
-      </p:sp>
-      <p:sp>
-        <p:nvSpPr>
-          <p:cNvPr id="116" name=""/>
-          <p:cNvSpPr/>
-          <p:nvPr/>
-        </p:nvSpPr>
-        <p:spPr>
-          <a:xfrm>
-            <a:off x="6120000" y="3510720"/>
-            <a:ext cx="1544760" cy="180000"/>
-          </a:xfrm>
-          <a:prstGeom prst="rect">
-            <a:avLst/>
-          </a:prstGeom>
-          <a:noFill/>
-          <a:ln w="36000">
-            <a:solidFill>
-              <a:srgbClr val="bf0041"/>
-            </a:solidFill>
-            <a:round/>
-          </a:ln>
-        </p:spPr>
-        <p:style>
-          <a:lnRef idx="0"/>
-          <a:fillRef idx="0"/>
-          <a:effectRef idx="0"/>
-          <a:fontRef idx="minor"/>
-        </p:style>
-        <p:txBody>
-          <a:bodyPr lIns="90000" rIns="90000" tIns="45000" bIns="45000" anchor="ctr">
-            <a:noAutofit/>
-          </a:bodyPr>
-          <a:p>
-            <a:endParaRPr b="0" lang="en-IL" sz="2400" spc="-1" strike="noStrike">
-              <a:solidFill>
-                <a:srgbClr val="000000"/>
+            <a:r>
+              <a:rPr b="0" lang="en-IL" sz="1800" spc="-1" strike="noStrike">
+                <a:solidFill>
+                  <a:srgbClr val="bf0041"/>
+                </a:solidFill>
+                <a:latin typeface="Arial"/>
+              </a:rPr>
+              <a:t>Delete</a:t>
+            </a:r>
+            <a:endParaRPr b="0" lang="en-IL" sz="1800" spc="-1" strike="noStrike">
+              <a:solidFill>
+                <a:srgbClr val="bf0041"/>
               </a:solidFill>
               <a:latin typeface="Arial"/>
             </a:endParaRPr>
@@ -9661,7 +8148,7 @@
       </p:grpSpPr>
       <p:pic>
         <p:nvPicPr>
-          <p:cNvPr id="117" name="" descr=""/>
+          <p:cNvPr id="108" name="" descr=""/>
           <p:cNvPicPr/>
           <p:nvPr/>
         </p:nvPicPr>
@@ -9672,7 +8159,7 @@
         <p:spPr>
           <a:xfrm>
             <a:off x="3012840" y="360"/>
-            <a:ext cx="3168360" cy="5143320"/>
+            <a:ext cx="3167640" cy="5142600"/>
           </a:xfrm>
           <a:prstGeom prst="rect">
             <a:avLst/>
@@ -9684,7 +8171,7 @@
       </p:pic>
       <p:sp>
         <p:nvSpPr>
-          <p:cNvPr id="118" name="PlaceHolder 1"/>
+          <p:cNvPr id="109" name="PlaceHolder 1"/>
           <p:cNvSpPr>
             <a:spLocks noGrp="1"/>
           </p:cNvSpPr>
@@ -9695,7 +8182,7 @@
         <p:spPr>
           <a:xfrm>
             <a:off x="0" y="720000"/>
-            <a:ext cx="1619640" cy="1259640"/>
+            <a:ext cx="1618920" cy="1258920"/>
           </a:xfrm>
           <a:prstGeom prst="rect">
             <a:avLst/>
@@ -9740,14 +8227,14 @@
       </p:sp>
       <p:sp>
         <p:nvSpPr>
-          <p:cNvPr id="119" name=""/>
+          <p:cNvPr id="110" name=""/>
           <p:cNvSpPr/>
           <p:nvPr/>
         </p:nvSpPr>
         <p:spPr>
           <a:xfrm>
-            <a:off x="3600000" y="360000"/>
-            <a:ext cx="1980000" cy="2880000"/>
+            <a:off x="3600000" y="540000"/>
+            <a:ext cx="1979280" cy="360000"/>
           </a:xfrm>
           <a:prstGeom prst="rect">
             <a:avLst/>
@@ -9771,6 +8258,11 @@
             <a:noAutofit/>
           </a:bodyPr>
           <a:p>
+            <a:pPr>
+              <a:lnSpc>
+                <a:spcPct val="100000"/>
+              </a:lnSpc>
+            </a:pPr>
             <a:endParaRPr b="0" lang="en-IL" sz="2400" spc="-1" strike="noStrike">
               <a:solidFill>
                 <a:srgbClr val="000000"/>
@@ -9782,14 +8274,14 @@
       </p:sp>
       <p:sp>
         <p:nvSpPr>
-          <p:cNvPr id="120" name=""/>
+          <p:cNvPr id="111" name=""/>
           <p:cNvSpPr/>
           <p:nvPr/>
         </p:nvSpPr>
         <p:spPr>
           <a:xfrm>
             <a:off x="3600000" y="4320000"/>
-            <a:ext cx="1980000" cy="540000"/>
+            <a:ext cx="1979280" cy="180000"/>
           </a:xfrm>
           <a:prstGeom prst="rect">
             <a:avLst/>
@@ -9813,6 +8305,11 @@
             <a:noAutofit/>
           </a:bodyPr>
           <a:p>
+            <a:pPr>
+              <a:lnSpc>
+                <a:spcPct val="100000"/>
+              </a:lnSpc>
+            </a:pPr>
             <a:endParaRPr b="0" lang="en-IL" sz="2400" spc="-1" strike="noStrike">
               <a:solidFill>
                 <a:srgbClr val="000000"/>
@@ -9854,7 +8351,7 @@
       </p:grpSpPr>
       <p:pic>
         <p:nvPicPr>
-          <p:cNvPr id="121" name="" descr=""/>
+          <p:cNvPr id="112" name="" descr=""/>
           <p:cNvPicPr/>
           <p:nvPr/>
         </p:nvPicPr>
@@ -9864,8 +8361,8 @@
         </p:blipFill>
         <p:spPr>
           <a:xfrm>
-            <a:off x="1801440" y="230040"/>
-            <a:ext cx="5591520" cy="4505400"/>
+            <a:off x="3338280" y="0"/>
+            <a:ext cx="4401000" cy="5142600"/>
           </a:xfrm>
           <a:prstGeom prst="rect">
             <a:avLst/>
@@ -9877,7 +8374,7 @@
       </p:pic>
       <p:sp>
         <p:nvSpPr>
-          <p:cNvPr id="122" name="PlaceHolder 1"/>
+          <p:cNvPr id="113" name="PlaceHolder 1"/>
           <p:cNvSpPr>
             <a:spLocks noGrp="1"/>
           </p:cNvSpPr>
@@ -9888,7 +8385,7 @@
         <p:spPr>
           <a:xfrm>
             <a:off x="0" y="720000"/>
-            <a:ext cx="1619640" cy="1259640"/>
+            <a:ext cx="1618920" cy="1258920"/>
           </a:xfrm>
           <a:prstGeom prst="rect">
             <a:avLst/>
@@ -9900,7 +8397,7 @@
         </p:spPr>
         <p:txBody>
           <a:bodyPr lIns="91440" rIns="91440" tIns="91440" bIns="91440" anchor="b">
-            <a:normAutofit fontScale="75000" lnSpcReduction="20000"/>
+            <a:normAutofit fontScale="96666"/>
           </a:bodyPr>
           <a:p>
             <a:pPr indent="0">
@@ -9920,7 +8417,7 @@
                 <a:latin typeface="Arial"/>
                 <a:ea typeface="Arial"/>
               </a:rPr>
-              <a:t>Task quick edit </a:t>
+              <a:t>Task details</a:t>
             </a:r>
             <a:endParaRPr b="0" lang="en-IL" sz="3600" spc="-1" strike="noStrike">
               <a:solidFill>
@@ -9933,14 +8430,14 @@
       </p:sp>
       <p:sp>
         <p:nvSpPr>
-          <p:cNvPr id="123" name=""/>
+          <p:cNvPr id="114" name=""/>
           <p:cNvSpPr/>
           <p:nvPr/>
         </p:nvSpPr>
         <p:spPr>
           <a:xfrm>
-            <a:off x="2095200" y="360000"/>
-            <a:ext cx="5104800" cy="3960000"/>
+            <a:off x="3600360" y="183240"/>
+            <a:ext cx="2878920" cy="4316040"/>
           </a:xfrm>
           <a:prstGeom prst="rect">
             <a:avLst/>
@@ -9964,6 +8461,58 @@
             <a:noAutofit/>
           </a:bodyPr>
           <a:p>
+            <a:pPr>
+              <a:lnSpc>
+                <a:spcPct val="100000"/>
+              </a:lnSpc>
+            </a:pPr>
+            <a:endParaRPr b="0" lang="en-IL" sz="2400" spc="-1" strike="noStrike">
+              <a:solidFill>
+                <a:srgbClr val="000000"/>
+              </a:solidFill>
+              <a:latin typeface="Arial"/>
+            </a:endParaRPr>
+          </a:p>
+        </p:txBody>
+      </p:sp>
+      <p:sp>
+        <p:nvSpPr>
+          <p:cNvPr id="115" name=""/>
+          <p:cNvSpPr/>
+          <p:nvPr/>
+        </p:nvSpPr>
+        <p:spPr>
+          <a:xfrm>
+            <a:off x="6480000" y="183240"/>
+            <a:ext cx="1079280" cy="1796040"/>
+          </a:xfrm>
+          <a:prstGeom prst="rect">
+            <a:avLst/>
+          </a:prstGeom>
+          <a:noFill/>
+          <a:ln w="36000">
+            <a:solidFill>
+              <a:srgbClr val="bf0041"/>
+            </a:solidFill>
+            <a:round/>
+          </a:ln>
+        </p:spPr>
+        <p:style>
+          <a:lnRef idx="0"/>
+          <a:fillRef idx="0"/>
+          <a:effectRef idx="0"/>
+          <a:fontRef idx="minor"/>
+        </p:style>
+        <p:txBody>
+          <a:bodyPr lIns="90000" rIns="90000" tIns="45000" bIns="45000" anchor="ctr">
+            <a:noAutofit/>
+          </a:bodyPr>
+          <a:p>
+            <a:pPr>
+              <a:lnSpc>
+                <a:spcPct val="100000"/>
+              </a:lnSpc>
+            </a:pPr>
             <a:endParaRPr b="0" lang="en-IL" sz="2400" spc="-1" strike="noStrike">
               <a:solidFill>
                 <a:srgbClr val="000000"/>
@@ -10003,32 +8552,9 @@
           <a:chExt cx="0" cy="0"/>
         </a:xfrm>
       </p:grpSpPr>
-      <p:pic>
-        <p:nvPicPr>
-          <p:cNvPr id="124" name="" descr=""/>
-          <p:cNvPicPr/>
-          <p:nvPr/>
-        </p:nvPicPr>
-        <p:blipFill>
-          <a:blip r:embed="rId1"/>
-          <a:stretch/>
-        </p:blipFill>
-        <p:spPr>
-          <a:xfrm>
-            <a:off x="3338280" y="0"/>
-            <a:ext cx="4401720" cy="5143320"/>
-          </a:xfrm>
-          <a:prstGeom prst="rect">
-            <a:avLst/>
-          </a:prstGeom>
-          <a:ln w="0">
-            <a:noFill/>
-          </a:ln>
-        </p:spPr>
-      </p:pic>
-      <p:sp>
-        <p:nvSpPr>
-          <p:cNvPr id="125" name="PlaceHolder 1"/>
+      <p:sp>
+        <p:nvSpPr>
+          <p:cNvPr id="116" name="PlaceHolder 1"/>
           <p:cNvSpPr>
             <a:spLocks noGrp="1"/>
           </p:cNvSpPr>
@@ -10038,23 +8564,23 @@
         </p:nvSpPr>
         <p:spPr>
           <a:xfrm>
-            <a:off x="0" y="720000"/>
-            <a:ext cx="1619640" cy="1259640"/>
-          </a:xfrm>
-          <a:prstGeom prst="rect">
-            <a:avLst/>
-          </a:prstGeom>
-          <a:noFill/>
-          <a:ln w="0">
-            <a:noFill/>
-          </a:ln>
-        </p:spPr>
-        <p:txBody>
-          <a:bodyPr lIns="91440" rIns="91440" tIns="91440" bIns="91440" anchor="b">
-            <a:normAutofit fontScale="96666"/>
-          </a:bodyPr>
-          <a:p>
-            <a:pPr indent="0">
+            <a:off x="153720" y="1729800"/>
+            <a:ext cx="8519040" cy="840240"/>
+          </a:xfrm>
+          <a:prstGeom prst="rect">
+            <a:avLst/>
+          </a:prstGeom>
+          <a:noFill/>
+          <a:ln w="0">
+            <a:noFill/>
+          </a:ln>
+        </p:spPr>
+        <p:txBody>
+          <a:bodyPr lIns="91440" rIns="91440" tIns="91440" bIns="91440" anchor="ctr">
+            <a:noAutofit/>
+          </a:bodyPr>
+          <a:p>
+            <a:pPr indent="0" algn="ctr">
               <a:lnSpc>
                 <a:spcPct val="100000"/>
               </a:lnSpc>
@@ -10064,184 +8590,16 @@
               </a:tabLst>
             </a:pPr>
             <a:r>
-              <a:rPr b="0" lang="en-IL" sz="3600" spc="-1" strike="noStrike">
+              <a:rPr b="0" lang="en-US" sz="6000" spc="-1" strike="noStrike">
                 <a:solidFill>
                   <a:schemeClr val="dk1"/>
                 </a:solidFill>
                 <a:latin typeface="Arial"/>
                 <a:ea typeface="Arial"/>
               </a:rPr>
-              <a:t>Task details</a:t>
+              <a:t>Entities</a:t>
             </a:r>
-            <a:endParaRPr b="0" lang="en-IL" sz="3600" spc="-1" strike="noStrike">
-              <a:solidFill>
-                <a:srgbClr val="000000"/>
-              </a:solidFill>
-              <a:latin typeface="Arial"/>
-            </a:endParaRPr>
-          </a:p>
-        </p:txBody>
-      </p:sp>
-      <p:sp>
-        <p:nvSpPr>
-          <p:cNvPr id="126" name=""/>
-          <p:cNvSpPr/>
-          <p:nvPr/>
-        </p:nvSpPr>
-        <p:spPr>
-          <a:xfrm>
-            <a:off x="3600360" y="183240"/>
-            <a:ext cx="2879640" cy="4316760"/>
-          </a:xfrm>
-          <a:prstGeom prst="rect">
-            <a:avLst/>
-          </a:prstGeom>
-          <a:noFill/>
-          <a:ln w="36000">
-            <a:solidFill>
-              <a:srgbClr val="bf0041"/>
-            </a:solidFill>
-            <a:round/>
-          </a:ln>
-        </p:spPr>
-        <p:style>
-          <a:lnRef idx="0"/>
-          <a:fillRef idx="0"/>
-          <a:effectRef idx="0"/>
-          <a:fontRef idx="minor"/>
-        </p:style>
-        <p:txBody>
-          <a:bodyPr lIns="90000" rIns="90000" tIns="45000" bIns="45000" anchor="ctr">
-            <a:noAutofit/>
-          </a:bodyPr>
-          <a:p>
-            <a:endParaRPr b="0" lang="en-IL" sz="2400" spc="-1" strike="noStrike">
-              <a:solidFill>
-                <a:srgbClr val="000000"/>
-              </a:solidFill>
-              <a:latin typeface="Arial"/>
-            </a:endParaRPr>
-          </a:p>
-        </p:txBody>
-      </p:sp>
-      <p:sp>
-        <p:nvSpPr>
-          <p:cNvPr id="127" name=""/>
-          <p:cNvSpPr/>
-          <p:nvPr/>
-        </p:nvSpPr>
-        <p:spPr>
-          <a:xfrm>
-            <a:off x="6480000" y="183240"/>
-            <a:ext cx="1080000" cy="1796760"/>
-          </a:xfrm>
-          <a:prstGeom prst="rect">
-            <a:avLst/>
-          </a:prstGeom>
-          <a:noFill/>
-          <a:ln w="36000">
-            <a:solidFill>
-              <a:srgbClr val="bf0041"/>
-            </a:solidFill>
-            <a:round/>
-          </a:ln>
-        </p:spPr>
-        <p:style>
-          <a:lnRef idx="0"/>
-          <a:fillRef idx="0"/>
-          <a:effectRef idx="0"/>
-          <a:fontRef idx="minor"/>
-        </p:style>
-        <p:txBody>
-          <a:bodyPr lIns="90000" rIns="90000" tIns="45000" bIns="45000" anchor="ctr">
-            <a:noAutofit/>
-          </a:bodyPr>
-          <a:p>
-            <a:endParaRPr b="0" lang="en-IL" sz="2400" spc="-1" strike="noStrike">
-              <a:solidFill>
-                <a:srgbClr val="000000"/>
-              </a:solidFill>
-              <a:latin typeface="Arial"/>
-            </a:endParaRPr>
-          </a:p>
-        </p:txBody>
-      </p:sp>
-      <p:sp>
-        <p:nvSpPr>
-          <p:cNvPr id="128" name=""/>
-          <p:cNvSpPr/>
-          <p:nvPr/>
-        </p:nvSpPr>
-        <p:spPr>
-          <a:xfrm>
-            <a:off x="6480000" y="3651840"/>
-            <a:ext cx="1080000" cy="540000"/>
-          </a:xfrm>
-          <a:prstGeom prst="rect">
-            <a:avLst/>
-          </a:prstGeom>
-          <a:noFill/>
-          <a:ln w="36000">
-            <a:solidFill>
-              <a:srgbClr val="bf0041"/>
-            </a:solidFill>
-            <a:round/>
-          </a:ln>
-        </p:spPr>
-        <p:style>
-          <a:lnRef idx="0"/>
-          <a:fillRef idx="0"/>
-          <a:effectRef idx="0"/>
-          <a:fontRef idx="minor"/>
-        </p:style>
-        <p:txBody>
-          <a:bodyPr lIns="90000" rIns="90000" tIns="45000" bIns="45000" anchor="ctr">
-            <a:noAutofit/>
-          </a:bodyPr>
-          <a:p>
-            <a:endParaRPr b="0" lang="en-IL" sz="2400" spc="-1" strike="noStrike">
-              <a:solidFill>
-                <a:srgbClr val="000000"/>
-              </a:solidFill>
-              <a:latin typeface="Arial"/>
-            </a:endParaRPr>
-          </a:p>
-        </p:txBody>
-      </p:sp>
-      <p:sp>
-        <p:nvSpPr>
-          <p:cNvPr id="129" name=""/>
-          <p:cNvSpPr/>
-          <p:nvPr/>
-        </p:nvSpPr>
-        <p:spPr>
-          <a:xfrm>
-            <a:off x="6480000" y="4500000"/>
-            <a:ext cx="1080000" cy="540000"/>
-          </a:xfrm>
-          <a:prstGeom prst="rect">
-            <a:avLst/>
-          </a:prstGeom>
-          <a:noFill/>
-          <a:ln w="36000">
-            <a:solidFill>
-              <a:srgbClr val="bf0041"/>
-            </a:solidFill>
-            <a:round/>
-          </a:ln>
-        </p:spPr>
-        <p:style>
-          <a:lnRef idx="0"/>
-          <a:fillRef idx="0"/>
-          <a:effectRef idx="0"/>
-          <a:fontRef idx="minor"/>
-        </p:style>
-        <p:txBody>
-          <a:bodyPr lIns="90000" rIns="90000" tIns="45000" bIns="45000" anchor="ctr">
-            <a:noAutofit/>
-          </a:bodyPr>
-          <a:p>
-            <a:endParaRPr b="0" lang="en-IL" sz="2400" spc="-1" strike="noStrike">
+            <a:endParaRPr b="0" lang="en-IL" sz="6000" spc="-1" strike="noStrike">
               <a:solidFill>
                 <a:srgbClr val="000000"/>
               </a:solidFill>
